--- a/slide.pptx
+++ b/slide.pptx
@@ -125,6 +125,11 @@
       </a:defRPr>
     </a:lvl9pPr>
   </p:defaultTextStyle>
+  <p:extLst>
+    <p:ext uri="{EFAFB233-063F-42B5-8137-9DF3F51BA10A}">
+      <p15:sldGuideLst xmlns:p15="http://schemas.microsoft.com/office/powerpoint/2012/main"/>
+    </p:ext>
+  </p:extLst>
 </p:presentation>
 </file>
 
@@ -210,7 +215,7 @@
           <a:p>
             <a:fld id="{969B3FB9-1915-47B1-AD4D-752B4D543379}" type="datetimeFigureOut">
               <a:rPr lang="zh-CN" altLang="en-US" smtClean="0"/>
-              <a:t>2017/4/14</a:t>
+              <a:t>2017/4/16</a:t>
             </a:fld>
             <a:endParaRPr lang="zh-CN" altLang="en-US"/>
           </a:p>
@@ -1098,7 +1103,7 @@
         </p:nvSpPr>
         <p:spPr>
           <a:xfrm>
-            <a:off x="1507067" y="4050833"/>
+            <a:off x="1507067" y="4050839"/>
             <a:ext cx="7766936" cy="1096899"/>
           </a:xfrm>
         </p:spPr>
@@ -1116,7 +1121,7 @@
                 </a:solidFill>
               </a:defRPr>
             </a:lvl1pPr>
-            <a:lvl2pPr marL="457200" indent="0" algn="ctr">
+            <a:lvl2pPr marL="457189" indent="0" algn="ctr">
               <a:buNone/>
               <a:defRPr>
                 <a:solidFill>
@@ -1126,7 +1131,7 @@
                 </a:solidFill>
               </a:defRPr>
             </a:lvl2pPr>
-            <a:lvl3pPr marL="914400" indent="0" algn="ctr">
+            <a:lvl3pPr marL="914377" indent="0" algn="ctr">
               <a:buNone/>
               <a:defRPr>
                 <a:solidFill>
@@ -1136,7 +1141,7 @@
                 </a:solidFill>
               </a:defRPr>
             </a:lvl3pPr>
-            <a:lvl4pPr marL="1371600" indent="0" algn="ctr">
+            <a:lvl4pPr marL="1371566" indent="0" algn="ctr">
               <a:buNone/>
               <a:defRPr>
                 <a:solidFill>
@@ -1146,7 +1151,7 @@
                 </a:solidFill>
               </a:defRPr>
             </a:lvl4pPr>
-            <a:lvl5pPr marL="1828800" indent="0" algn="ctr">
+            <a:lvl5pPr marL="1828754" indent="0" algn="ctr">
               <a:buNone/>
               <a:defRPr>
                 <a:solidFill>
@@ -1156,7 +1161,7 @@
                 </a:solidFill>
               </a:defRPr>
             </a:lvl5pPr>
-            <a:lvl6pPr marL="2286000" indent="0" algn="ctr">
+            <a:lvl6pPr marL="2285943" indent="0" algn="ctr">
               <a:buNone/>
               <a:defRPr>
                 <a:solidFill>
@@ -1166,7 +1171,7 @@
                 </a:solidFill>
               </a:defRPr>
             </a:lvl6pPr>
-            <a:lvl7pPr marL="2743200" indent="0" algn="ctr">
+            <a:lvl7pPr marL="2743131" indent="0" algn="ctr">
               <a:buNone/>
               <a:defRPr>
                 <a:solidFill>
@@ -1176,7 +1181,7 @@
                 </a:solidFill>
               </a:defRPr>
             </a:lvl7pPr>
-            <a:lvl8pPr marL="3200400" indent="0" algn="ctr">
+            <a:lvl8pPr marL="3200320" indent="0" algn="ctr">
               <a:buNone/>
               <a:defRPr>
                 <a:solidFill>
@@ -1186,7 +1191,7 @@
                 </a:solidFill>
               </a:defRPr>
             </a:lvl8pPr>
-            <a:lvl9pPr marL="3657600" indent="0" algn="ctr">
+            <a:lvl9pPr marL="3657509" indent="0" algn="ctr">
               <a:buNone/>
               <a:defRPr>
                 <a:solidFill>
@@ -1223,7 +1228,7 @@
           <a:p>
             <a:fld id="{C53A4899-2D39-414A-AF37-125EDA579E26}" type="datetime1">
               <a:rPr lang="en-US" altLang="zh-CN" smtClean="0"/>
-              <a:t>4/14/2017</a:t>
+              <a:t>4/16/2017</a:t>
             </a:fld>
             <a:endParaRPr lang="en-US" dirty="0"/>
           </a:p>
@@ -1363,7 +1368,7 @@
                 </a:solidFill>
               </a:defRPr>
             </a:lvl1pPr>
-            <a:lvl2pPr marL="457200" indent="0">
+            <a:lvl2pPr marL="457189" indent="0">
               <a:buNone/>
               <a:defRPr sz="1800">
                 <a:solidFill>
@@ -1373,7 +1378,7 @@
                 </a:solidFill>
               </a:defRPr>
             </a:lvl2pPr>
-            <a:lvl3pPr marL="914400" indent="0">
+            <a:lvl3pPr marL="914377" indent="0">
               <a:buNone/>
               <a:defRPr sz="1600">
                 <a:solidFill>
@@ -1383,7 +1388,7 @@
                 </a:solidFill>
               </a:defRPr>
             </a:lvl3pPr>
-            <a:lvl4pPr marL="1371600" indent="0">
+            <a:lvl4pPr marL="1371566" indent="0">
               <a:buNone/>
               <a:defRPr sz="1400">
                 <a:solidFill>
@@ -1393,7 +1398,7 @@
                 </a:solidFill>
               </a:defRPr>
             </a:lvl4pPr>
-            <a:lvl5pPr marL="1828800" indent="0">
+            <a:lvl5pPr marL="1828754" indent="0">
               <a:buNone/>
               <a:defRPr sz="1400">
                 <a:solidFill>
@@ -1403,7 +1408,7 @@
                 </a:solidFill>
               </a:defRPr>
             </a:lvl5pPr>
-            <a:lvl6pPr marL="2286000" indent="0">
+            <a:lvl6pPr marL="2285943" indent="0">
               <a:buNone/>
               <a:defRPr sz="1400">
                 <a:solidFill>
@@ -1413,7 +1418,7 @@
                 </a:solidFill>
               </a:defRPr>
             </a:lvl6pPr>
-            <a:lvl7pPr marL="2743200" indent="0">
+            <a:lvl7pPr marL="2743131" indent="0">
               <a:buNone/>
               <a:defRPr sz="1400">
                 <a:solidFill>
@@ -1423,7 +1428,7 @@
                 </a:solidFill>
               </a:defRPr>
             </a:lvl7pPr>
-            <a:lvl8pPr marL="3200400" indent="0">
+            <a:lvl8pPr marL="3200320" indent="0">
               <a:buNone/>
               <a:defRPr sz="1400">
                 <a:solidFill>
@@ -1433,7 +1438,7 @@
                 </a:solidFill>
               </a:defRPr>
             </a:lvl8pPr>
-            <a:lvl9pPr marL="3657600" indent="0">
+            <a:lvl9pPr marL="3657509" indent="0">
               <a:buNone/>
               <a:defRPr sz="1400">
                 <a:solidFill>
@@ -1470,7 +1475,7 @@
           <a:p>
             <a:fld id="{A180586D-57C4-4F58-B949-37D135A517AC}" type="datetime1">
               <a:rPr lang="en-US" altLang="zh-CN" smtClean="0"/>
-              <a:t>4/14/2017</a:t>
+              <a:t>4/16/2017</a:t>
             </a:fld>
             <a:endParaRPr lang="en-US" dirty="0"/>
           </a:p>
@@ -1556,8 +1561,8 @@
         </p:nvSpPr>
         <p:spPr>
           <a:xfrm>
-            <a:off x="931334" y="609600"/>
-            <a:ext cx="8094134" cy="3022600"/>
+            <a:off x="931337" y="609600"/>
+            <a:ext cx="8094135" cy="3022600"/>
           </a:xfrm>
         </p:spPr>
         <p:txBody>
@@ -1611,22 +1616,22 @@
                 </a:solidFill>
               </a:defRPr>
             </a:lvl1pPr>
-            <a:lvl2pPr marL="457200" indent="0">
+            <a:lvl2pPr marL="457189" indent="0">
               <a:buFontTx/>
               <a:buNone/>
               <a:defRPr/>
             </a:lvl2pPr>
-            <a:lvl3pPr marL="914400" indent="0">
+            <a:lvl3pPr marL="914377" indent="0">
               <a:buFontTx/>
               <a:buNone/>
               <a:defRPr/>
             </a:lvl3pPr>
-            <a:lvl4pPr marL="1371600" indent="0">
+            <a:lvl4pPr marL="1371566" indent="0">
               <a:buFontTx/>
               <a:buNone/>
               <a:defRPr/>
             </a:lvl4pPr>
-            <a:lvl5pPr marL="1828800" indent="0">
+            <a:lvl5pPr marL="1828754" indent="0">
               <a:buFontTx/>
               <a:buNone/>
               <a:defRPr/>
@@ -1673,7 +1678,7 @@
                 </a:solidFill>
               </a:defRPr>
             </a:lvl1pPr>
-            <a:lvl2pPr marL="457200" indent="0">
+            <a:lvl2pPr marL="457189" indent="0">
               <a:buNone/>
               <a:defRPr sz="1800">
                 <a:solidFill>
@@ -1683,7 +1688,7 @@
                 </a:solidFill>
               </a:defRPr>
             </a:lvl2pPr>
-            <a:lvl3pPr marL="914400" indent="0">
+            <a:lvl3pPr marL="914377" indent="0">
               <a:buNone/>
               <a:defRPr sz="1600">
                 <a:solidFill>
@@ -1693,7 +1698,7 @@
                 </a:solidFill>
               </a:defRPr>
             </a:lvl3pPr>
-            <a:lvl4pPr marL="1371600" indent="0">
+            <a:lvl4pPr marL="1371566" indent="0">
               <a:buNone/>
               <a:defRPr sz="1400">
                 <a:solidFill>
@@ -1703,7 +1708,7 @@
                 </a:solidFill>
               </a:defRPr>
             </a:lvl4pPr>
-            <a:lvl5pPr marL="1828800" indent="0">
+            <a:lvl5pPr marL="1828754" indent="0">
               <a:buNone/>
               <a:defRPr sz="1400">
                 <a:solidFill>
@@ -1713,7 +1718,7 @@
                 </a:solidFill>
               </a:defRPr>
             </a:lvl5pPr>
-            <a:lvl6pPr marL="2286000" indent="0">
+            <a:lvl6pPr marL="2285943" indent="0">
               <a:buNone/>
               <a:defRPr sz="1400">
                 <a:solidFill>
@@ -1723,7 +1728,7 @@
                 </a:solidFill>
               </a:defRPr>
             </a:lvl6pPr>
-            <a:lvl7pPr marL="2743200" indent="0">
+            <a:lvl7pPr marL="2743131" indent="0">
               <a:buNone/>
               <a:defRPr sz="1400">
                 <a:solidFill>
@@ -1733,7 +1738,7 @@
                 </a:solidFill>
               </a:defRPr>
             </a:lvl7pPr>
-            <a:lvl8pPr marL="3200400" indent="0">
+            <a:lvl8pPr marL="3200320" indent="0">
               <a:buNone/>
               <a:defRPr sz="1400">
                 <a:solidFill>
@@ -1743,7 +1748,7 @@
                 </a:solidFill>
               </a:defRPr>
             </a:lvl8pPr>
-            <a:lvl9pPr marL="3657600" indent="0">
+            <a:lvl9pPr marL="3657509" indent="0">
               <a:buNone/>
               <a:defRPr sz="1400">
                 <a:solidFill>
@@ -1780,7 +1785,7 @@
           <a:p>
             <a:fld id="{6CDB3140-D360-4926-B66E-A2CFAB526867}" type="datetime1">
               <a:rPr lang="en-US" altLang="zh-CN" smtClean="0"/>
-              <a:t>4/14/2017</a:t>
+              <a:t>4/16/2017</a:t>
             </a:fld>
             <a:endParaRPr lang="en-US" dirty="0"/>
           </a:p>
@@ -1837,7 +1842,7 @@
         </p:nvSpPr>
         <p:spPr>
           <a:xfrm>
-            <a:off x="541870" y="790378"/>
+            <a:off x="541871" y="790378"/>
             <a:ext cx="609600" cy="584776"/>
           </a:xfrm>
           <a:prstGeom prst="rect">
@@ -2002,7 +2007,7 @@
                 </a:solidFill>
               </a:defRPr>
             </a:lvl1pPr>
-            <a:lvl2pPr marL="457200" indent="0">
+            <a:lvl2pPr marL="457189" indent="0">
               <a:buNone/>
               <a:defRPr sz="1800">
                 <a:solidFill>
@@ -2012,7 +2017,7 @@
                 </a:solidFill>
               </a:defRPr>
             </a:lvl2pPr>
-            <a:lvl3pPr marL="914400" indent="0">
+            <a:lvl3pPr marL="914377" indent="0">
               <a:buNone/>
               <a:defRPr sz="1600">
                 <a:solidFill>
@@ -2022,7 +2027,7 @@
                 </a:solidFill>
               </a:defRPr>
             </a:lvl3pPr>
-            <a:lvl4pPr marL="1371600" indent="0">
+            <a:lvl4pPr marL="1371566" indent="0">
               <a:buNone/>
               <a:defRPr sz="1400">
                 <a:solidFill>
@@ -2032,7 +2037,7 @@
                 </a:solidFill>
               </a:defRPr>
             </a:lvl4pPr>
-            <a:lvl5pPr marL="1828800" indent="0">
+            <a:lvl5pPr marL="1828754" indent="0">
               <a:buNone/>
               <a:defRPr sz="1400">
                 <a:solidFill>
@@ -2042,7 +2047,7 @@
                 </a:solidFill>
               </a:defRPr>
             </a:lvl5pPr>
-            <a:lvl6pPr marL="2286000" indent="0">
+            <a:lvl6pPr marL="2285943" indent="0">
               <a:buNone/>
               <a:defRPr sz="1400">
                 <a:solidFill>
@@ -2052,7 +2057,7 @@
                 </a:solidFill>
               </a:defRPr>
             </a:lvl6pPr>
-            <a:lvl7pPr marL="2743200" indent="0">
+            <a:lvl7pPr marL="2743131" indent="0">
               <a:buNone/>
               <a:defRPr sz="1400">
                 <a:solidFill>
@@ -2062,7 +2067,7 @@
                 </a:solidFill>
               </a:defRPr>
             </a:lvl7pPr>
-            <a:lvl8pPr marL="3200400" indent="0">
+            <a:lvl8pPr marL="3200320" indent="0">
               <a:buNone/>
               <a:defRPr sz="1400">
                 <a:solidFill>
@@ -2072,7 +2077,7 @@
                 </a:solidFill>
               </a:defRPr>
             </a:lvl8pPr>
-            <a:lvl9pPr marL="3657600" indent="0">
+            <a:lvl9pPr marL="3657509" indent="0">
               <a:buNone/>
               <a:defRPr sz="1400">
                 <a:solidFill>
@@ -2109,7 +2114,7 @@
           <a:p>
             <a:fld id="{97A9C8B1-C524-4A31-97FA-2865C7D42C6A}" type="datetime1">
               <a:rPr lang="en-US" altLang="zh-CN" smtClean="0"/>
-              <a:t>4/14/2017</a:t>
+              <a:t>4/16/2017</a:t>
             </a:fld>
             <a:endParaRPr lang="en-US" dirty="0"/>
           </a:p>
@@ -2195,8 +2200,8 @@
         </p:nvSpPr>
         <p:spPr>
           <a:xfrm>
-            <a:off x="931334" y="609600"/>
-            <a:ext cx="8094134" cy="3022600"/>
+            <a:off x="931337" y="609600"/>
+            <a:ext cx="8094135" cy="3022600"/>
           </a:xfrm>
         </p:spPr>
         <p:txBody>
@@ -2250,22 +2255,22 @@
                 </a:solidFill>
               </a:defRPr>
             </a:lvl1pPr>
-            <a:lvl2pPr marL="457200" indent="0">
+            <a:lvl2pPr marL="457189" indent="0">
               <a:buFontTx/>
               <a:buNone/>
               <a:defRPr/>
             </a:lvl2pPr>
-            <a:lvl3pPr marL="914400" indent="0">
+            <a:lvl3pPr marL="914377" indent="0">
               <a:buFontTx/>
               <a:buNone/>
               <a:defRPr/>
             </a:lvl3pPr>
-            <a:lvl4pPr marL="1371600" indent="0">
+            <a:lvl4pPr marL="1371566" indent="0">
               <a:buFontTx/>
               <a:buNone/>
               <a:defRPr/>
             </a:lvl4pPr>
-            <a:lvl5pPr marL="1828800" indent="0">
+            <a:lvl5pPr marL="1828754" indent="0">
               <a:buFontTx/>
               <a:buNone/>
               <a:defRPr/>
@@ -2312,7 +2317,7 @@
                 </a:solidFill>
               </a:defRPr>
             </a:lvl1pPr>
-            <a:lvl2pPr marL="457200" indent="0">
+            <a:lvl2pPr marL="457189" indent="0">
               <a:buNone/>
               <a:defRPr sz="1800">
                 <a:solidFill>
@@ -2322,7 +2327,7 @@
                 </a:solidFill>
               </a:defRPr>
             </a:lvl2pPr>
-            <a:lvl3pPr marL="914400" indent="0">
+            <a:lvl3pPr marL="914377" indent="0">
               <a:buNone/>
               <a:defRPr sz="1600">
                 <a:solidFill>
@@ -2332,7 +2337,7 @@
                 </a:solidFill>
               </a:defRPr>
             </a:lvl3pPr>
-            <a:lvl4pPr marL="1371600" indent="0">
+            <a:lvl4pPr marL="1371566" indent="0">
               <a:buNone/>
               <a:defRPr sz="1400">
                 <a:solidFill>
@@ -2342,7 +2347,7 @@
                 </a:solidFill>
               </a:defRPr>
             </a:lvl4pPr>
-            <a:lvl5pPr marL="1828800" indent="0">
+            <a:lvl5pPr marL="1828754" indent="0">
               <a:buNone/>
               <a:defRPr sz="1400">
                 <a:solidFill>
@@ -2352,7 +2357,7 @@
                 </a:solidFill>
               </a:defRPr>
             </a:lvl5pPr>
-            <a:lvl6pPr marL="2286000" indent="0">
+            <a:lvl6pPr marL="2285943" indent="0">
               <a:buNone/>
               <a:defRPr sz="1400">
                 <a:solidFill>
@@ -2362,7 +2367,7 @@
                 </a:solidFill>
               </a:defRPr>
             </a:lvl6pPr>
-            <a:lvl7pPr marL="2743200" indent="0">
+            <a:lvl7pPr marL="2743131" indent="0">
               <a:buNone/>
               <a:defRPr sz="1400">
                 <a:solidFill>
@@ -2372,7 +2377,7 @@
                 </a:solidFill>
               </a:defRPr>
             </a:lvl7pPr>
-            <a:lvl8pPr marL="3200400" indent="0">
+            <a:lvl8pPr marL="3200320" indent="0">
               <a:buNone/>
               <a:defRPr sz="1400">
                 <a:solidFill>
@@ -2382,7 +2387,7 @@
                 </a:solidFill>
               </a:defRPr>
             </a:lvl8pPr>
-            <a:lvl9pPr marL="3657600" indent="0">
+            <a:lvl9pPr marL="3657509" indent="0">
               <a:buNone/>
               <a:defRPr sz="1400">
                 <a:solidFill>
@@ -2419,7 +2424,7 @@
           <a:p>
             <a:fld id="{8C9EE49D-2DBE-42B8-A317-831298CF68CD}" type="datetime1">
               <a:rPr lang="en-US" altLang="zh-CN" smtClean="0"/>
-              <a:t>4/14/2017</a:t>
+              <a:t>4/16/2017</a:t>
             </a:fld>
             <a:endParaRPr lang="en-US" dirty="0"/>
           </a:p>
@@ -2476,7 +2481,7 @@
         </p:nvSpPr>
         <p:spPr>
           <a:xfrm>
-            <a:off x="541870" y="790378"/>
+            <a:off x="541871" y="790378"/>
             <a:ext cx="609600" cy="584776"/>
           </a:xfrm>
           <a:prstGeom prst="rect">
@@ -2587,7 +2592,7 @@
         </p:nvSpPr>
         <p:spPr>
           <a:xfrm>
-            <a:off x="685799" y="609600"/>
+            <a:off x="685801" y="609600"/>
             <a:ext cx="8588203" cy="3022600"/>
           </a:xfrm>
         </p:spPr>
@@ -2639,22 +2644,22 @@
                 </a:solidFill>
               </a:defRPr>
             </a:lvl1pPr>
-            <a:lvl2pPr marL="457200" indent="0">
+            <a:lvl2pPr marL="457189" indent="0">
               <a:buFontTx/>
               <a:buNone/>
               <a:defRPr/>
             </a:lvl2pPr>
-            <a:lvl3pPr marL="914400" indent="0">
+            <a:lvl3pPr marL="914377" indent="0">
               <a:buFontTx/>
               <a:buNone/>
               <a:defRPr/>
             </a:lvl3pPr>
-            <a:lvl4pPr marL="1371600" indent="0">
+            <a:lvl4pPr marL="1371566" indent="0">
               <a:buFontTx/>
               <a:buNone/>
               <a:defRPr/>
             </a:lvl4pPr>
-            <a:lvl5pPr marL="1828800" indent="0">
+            <a:lvl5pPr marL="1828754" indent="0">
               <a:buFontTx/>
               <a:buNone/>
               <a:defRPr/>
@@ -2701,7 +2706,7 @@
                 </a:solidFill>
               </a:defRPr>
             </a:lvl1pPr>
-            <a:lvl2pPr marL="457200" indent="0">
+            <a:lvl2pPr marL="457189" indent="0">
               <a:buNone/>
               <a:defRPr sz="1800">
                 <a:solidFill>
@@ -2711,7 +2716,7 @@
                 </a:solidFill>
               </a:defRPr>
             </a:lvl2pPr>
-            <a:lvl3pPr marL="914400" indent="0">
+            <a:lvl3pPr marL="914377" indent="0">
               <a:buNone/>
               <a:defRPr sz="1600">
                 <a:solidFill>
@@ -2721,7 +2726,7 @@
                 </a:solidFill>
               </a:defRPr>
             </a:lvl3pPr>
-            <a:lvl4pPr marL="1371600" indent="0">
+            <a:lvl4pPr marL="1371566" indent="0">
               <a:buNone/>
               <a:defRPr sz="1400">
                 <a:solidFill>
@@ -2731,7 +2736,7 @@
                 </a:solidFill>
               </a:defRPr>
             </a:lvl4pPr>
-            <a:lvl5pPr marL="1828800" indent="0">
+            <a:lvl5pPr marL="1828754" indent="0">
               <a:buNone/>
               <a:defRPr sz="1400">
                 <a:solidFill>
@@ -2741,7 +2746,7 @@
                 </a:solidFill>
               </a:defRPr>
             </a:lvl5pPr>
-            <a:lvl6pPr marL="2286000" indent="0">
+            <a:lvl6pPr marL="2285943" indent="0">
               <a:buNone/>
               <a:defRPr sz="1400">
                 <a:solidFill>
@@ -2751,7 +2756,7 @@
                 </a:solidFill>
               </a:defRPr>
             </a:lvl6pPr>
-            <a:lvl7pPr marL="2743200" indent="0">
+            <a:lvl7pPr marL="2743131" indent="0">
               <a:buNone/>
               <a:defRPr sz="1400">
                 <a:solidFill>
@@ -2761,7 +2766,7 @@
                 </a:solidFill>
               </a:defRPr>
             </a:lvl7pPr>
-            <a:lvl8pPr marL="3200400" indent="0">
+            <a:lvl8pPr marL="3200320" indent="0">
               <a:buNone/>
               <a:defRPr sz="1400">
                 <a:solidFill>
@@ -2771,7 +2776,7 @@
                 </a:solidFill>
               </a:defRPr>
             </a:lvl8pPr>
-            <a:lvl9pPr marL="3657600" indent="0">
+            <a:lvl9pPr marL="3657509" indent="0">
               <a:buNone/>
               <a:defRPr sz="1400">
                 <a:solidFill>
@@ -2808,7 +2813,7 @@
           <a:p>
             <a:fld id="{AB5DDC47-7179-495C-BDAE-84B33C2BA833}" type="datetime1">
               <a:rPr lang="en-US" altLang="zh-CN" smtClean="0"/>
-              <a:t>4/14/2017</a:t>
+              <a:t>4/16/2017</a:t>
             </a:fld>
             <a:endParaRPr lang="en-US" dirty="0"/>
           </a:p>
@@ -2974,7 +2979,7 @@
           <a:p>
             <a:fld id="{5BA620D9-43BA-4981-9F07-F88B3AEC33F2}" type="datetime1">
               <a:rPr lang="en-US" altLang="zh-CN" smtClean="0"/>
-              <a:t>4/14/2017</a:t>
+              <a:t>4/16/2017</a:t>
             </a:fld>
             <a:endParaRPr lang="en-US" dirty="0"/>
           </a:p>
@@ -3059,7 +3064,7 @@
         </p:nvSpPr>
         <p:spPr>
           <a:xfrm>
-            <a:off x="7967673" y="609599"/>
+            <a:off x="7967677" y="609605"/>
             <a:ext cx="1304743" cy="5251451"/>
           </a:xfrm>
         </p:spPr>
@@ -3087,8 +3092,8 @@
         </p:nvSpPr>
         <p:spPr>
           <a:xfrm>
-            <a:off x="677335" y="609600"/>
-            <a:ext cx="7060150" cy="5251450"/>
+            <a:off x="677338" y="609600"/>
+            <a:ext cx="7060151" cy="5251450"/>
           </a:xfrm>
         </p:spPr>
         <p:txBody>
@@ -3149,7 +3154,7 @@
           <a:p>
             <a:fld id="{9FE3A055-0A92-451C-B4CC-1CFF3DF49E69}" type="datetime1">
               <a:rPr lang="en-US" altLang="zh-CN" smtClean="0"/>
-              <a:t>4/14/2017</a:t>
+              <a:t>4/16/2017</a:t>
             </a:fld>
             <a:endParaRPr lang="en-US" dirty="0"/>
           </a:p>
@@ -3315,7 +3320,7 @@
           <a:p>
             <a:fld id="{03130687-EF1E-4D31-9DEB-08113C9478A3}" type="datetime1">
               <a:rPr lang="en-US" altLang="zh-CN" smtClean="0"/>
-              <a:t>4/14/2017</a:t>
+              <a:t>4/16/2017</a:t>
             </a:fld>
             <a:endParaRPr lang="en-US" dirty="0"/>
           </a:p>
@@ -3400,7 +3405,7 @@
         </p:nvSpPr>
         <p:spPr>
           <a:xfrm>
-            <a:off x="677335" y="2700867"/>
+            <a:off x="677335" y="2700871"/>
             <a:ext cx="8596668" cy="1826581"/>
           </a:xfrm>
         </p:spPr>
@@ -3450,7 +3455,7 @@
                 </a:solidFill>
               </a:defRPr>
             </a:lvl1pPr>
-            <a:lvl2pPr marL="457200" indent="0">
+            <a:lvl2pPr marL="457189" indent="0">
               <a:buNone/>
               <a:defRPr sz="1800">
                 <a:solidFill>
@@ -3460,7 +3465,7 @@
                 </a:solidFill>
               </a:defRPr>
             </a:lvl2pPr>
-            <a:lvl3pPr marL="914400" indent="0">
+            <a:lvl3pPr marL="914377" indent="0">
               <a:buNone/>
               <a:defRPr sz="1600">
                 <a:solidFill>
@@ -3470,7 +3475,7 @@
                 </a:solidFill>
               </a:defRPr>
             </a:lvl3pPr>
-            <a:lvl4pPr marL="1371600" indent="0">
+            <a:lvl4pPr marL="1371566" indent="0">
               <a:buNone/>
               <a:defRPr sz="1400">
                 <a:solidFill>
@@ -3480,7 +3485,7 @@
                 </a:solidFill>
               </a:defRPr>
             </a:lvl4pPr>
-            <a:lvl5pPr marL="1828800" indent="0">
+            <a:lvl5pPr marL="1828754" indent="0">
               <a:buNone/>
               <a:defRPr sz="1400">
                 <a:solidFill>
@@ -3490,7 +3495,7 @@
                 </a:solidFill>
               </a:defRPr>
             </a:lvl5pPr>
-            <a:lvl6pPr marL="2286000" indent="0">
+            <a:lvl6pPr marL="2285943" indent="0">
               <a:buNone/>
               <a:defRPr sz="1400">
                 <a:solidFill>
@@ -3500,7 +3505,7 @@
                 </a:solidFill>
               </a:defRPr>
             </a:lvl6pPr>
-            <a:lvl7pPr marL="2743200" indent="0">
+            <a:lvl7pPr marL="2743131" indent="0">
               <a:buNone/>
               <a:defRPr sz="1400">
                 <a:solidFill>
@@ -3510,7 +3515,7 @@
                 </a:solidFill>
               </a:defRPr>
             </a:lvl7pPr>
-            <a:lvl8pPr marL="3200400" indent="0">
+            <a:lvl8pPr marL="3200320" indent="0">
               <a:buNone/>
               <a:defRPr sz="1400">
                 <a:solidFill>
@@ -3520,7 +3525,7 @@
                 </a:solidFill>
               </a:defRPr>
             </a:lvl8pPr>
-            <a:lvl9pPr marL="3657600" indent="0">
+            <a:lvl9pPr marL="3657509" indent="0">
               <a:buNone/>
               <a:defRPr sz="1400">
                 <a:solidFill>
@@ -3557,7 +3562,7 @@
           <a:p>
             <a:fld id="{BC0AA655-FBDC-48FC-AE5E-520CC64F12E9}" type="datetime1">
               <a:rPr lang="en-US" altLang="zh-CN" smtClean="0"/>
-              <a:t>4/14/2017</a:t>
+              <a:t>4/16/2017</a:t>
             </a:fld>
             <a:endParaRPr lang="en-US" dirty="0"/>
           </a:p>
@@ -3666,7 +3671,7 @@
         </p:nvSpPr>
         <p:spPr>
           <a:xfrm>
-            <a:off x="677334" y="2160589"/>
+            <a:off x="677336" y="2160589"/>
             <a:ext cx="4184035" cy="3880772"/>
           </a:xfrm>
         </p:spPr>
@@ -3723,8 +3728,8 @@
         </p:nvSpPr>
         <p:spPr>
           <a:xfrm>
-            <a:off x="5089970" y="2160589"/>
-            <a:ext cx="4184034" cy="3880773"/>
+            <a:off x="5089969" y="2160590"/>
+            <a:ext cx="4184035" cy="3880773"/>
           </a:xfrm>
         </p:spPr>
         <p:txBody>
@@ -3785,7 +3790,7 @@
           <a:p>
             <a:fld id="{4476F955-5752-4B48-9CB7-695DB332F65A}" type="datetime1">
               <a:rPr lang="en-US" altLang="zh-CN" smtClean="0"/>
-              <a:t>4/14/2017</a:t>
+              <a:t>4/16/2017</a:t>
             </a:fld>
             <a:endParaRPr lang="en-US" dirty="0"/>
           </a:p>
@@ -3897,7 +3902,7 @@
         </p:nvSpPr>
         <p:spPr>
           <a:xfrm>
-            <a:off x="675745" y="2160983"/>
+            <a:off x="675749" y="2160983"/>
             <a:ext cx="4185623" cy="576262"/>
           </a:xfrm>
         </p:spPr>
@@ -3910,35 +3915,35 @@
               <a:buNone/>
               <a:defRPr sz="2400" b="0"/>
             </a:lvl1pPr>
-            <a:lvl2pPr marL="457200" indent="0">
+            <a:lvl2pPr marL="457189" indent="0">
               <a:buNone/>
               <a:defRPr sz="2000" b="1"/>
             </a:lvl2pPr>
-            <a:lvl3pPr marL="914400" indent="0">
+            <a:lvl3pPr marL="914377" indent="0">
               <a:buNone/>
               <a:defRPr sz="1800" b="1"/>
             </a:lvl3pPr>
-            <a:lvl4pPr marL="1371600" indent="0">
+            <a:lvl4pPr marL="1371566" indent="0">
               <a:buNone/>
               <a:defRPr sz="1600" b="1"/>
             </a:lvl4pPr>
-            <a:lvl5pPr marL="1828800" indent="0">
+            <a:lvl5pPr marL="1828754" indent="0">
               <a:buNone/>
               <a:defRPr sz="1600" b="1"/>
             </a:lvl5pPr>
-            <a:lvl6pPr marL="2286000" indent="0">
+            <a:lvl6pPr marL="2285943" indent="0">
               <a:buNone/>
               <a:defRPr sz="1600" b="1"/>
             </a:lvl6pPr>
-            <a:lvl7pPr marL="2743200" indent="0">
+            <a:lvl7pPr marL="2743131" indent="0">
               <a:buNone/>
               <a:defRPr sz="1600" b="1"/>
             </a:lvl7pPr>
-            <a:lvl8pPr marL="3200400" indent="0">
+            <a:lvl8pPr marL="3200320" indent="0">
               <a:buNone/>
               <a:defRPr sz="1600" b="1"/>
             </a:lvl8pPr>
-            <a:lvl9pPr marL="3657600" indent="0">
+            <a:lvl9pPr marL="3657509" indent="0">
               <a:buNone/>
               <a:defRPr sz="1600" b="1"/>
             </a:lvl9pPr>
@@ -3964,7 +3969,7 @@
         </p:nvSpPr>
         <p:spPr>
           <a:xfrm>
-            <a:off x="675745" y="2737245"/>
+            <a:off x="675749" y="2737251"/>
             <a:ext cx="4185623" cy="3304117"/>
           </a:xfrm>
         </p:spPr>
@@ -4023,8 +4028,8 @@
         </p:nvSpPr>
         <p:spPr>
           <a:xfrm>
-            <a:off x="5088383" y="2160983"/>
-            <a:ext cx="4185618" cy="576262"/>
+            <a:off x="5088385" y="2160983"/>
+            <a:ext cx="4185619" cy="576262"/>
           </a:xfrm>
         </p:spPr>
         <p:txBody>
@@ -4036,35 +4041,35 @@
               <a:buNone/>
               <a:defRPr sz="2400" b="0"/>
             </a:lvl1pPr>
-            <a:lvl2pPr marL="457200" indent="0">
+            <a:lvl2pPr marL="457189" indent="0">
               <a:buNone/>
               <a:defRPr sz="2000" b="1"/>
             </a:lvl2pPr>
-            <a:lvl3pPr marL="914400" indent="0">
+            <a:lvl3pPr marL="914377" indent="0">
               <a:buNone/>
               <a:defRPr sz="1800" b="1"/>
             </a:lvl3pPr>
-            <a:lvl4pPr marL="1371600" indent="0">
+            <a:lvl4pPr marL="1371566" indent="0">
               <a:buNone/>
               <a:defRPr sz="1600" b="1"/>
             </a:lvl4pPr>
-            <a:lvl5pPr marL="1828800" indent="0">
+            <a:lvl5pPr marL="1828754" indent="0">
               <a:buNone/>
               <a:defRPr sz="1600" b="1"/>
             </a:lvl5pPr>
-            <a:lvl6pPr marL="2286000" indent="0">
+            <a:lvl6pPr marL="2285943" indent="0">
               <a:buNone/>
               <a:defRPr sz="1600" b="1"/>
             </a:lvl6pPr>
-            <a:lvl7pPr marL="2743200" indent="0">
+            <a:lvl7pPr marL="2743131" indent="0">
               <a:buNone/>
               <a:defRPr sz="1600" b="1"/>
             </a:lvl7pPr>
-            <a:lvl8pPr marL="3200400" indent="0">
+            <a:lvl8pPr marL="3200320" indent="0">
               <a:buNone/>
               <a:defRPr sz="1600" b="1"/>
             </a:lvl8pPr>
-            <a:lvl9pPr marL="3657600" indent="0">
+            <a:lvl9pPr marL="3657509" indent="0">
               <a:buNone/>
               <a:defRPr sz="1600" b="1"/>
             </a:lvl9pPr>
@@ -4090,7 +4095,7 @@
         </p:nvSpPr>
         <p:spPr>
           <a:xfrm>
-            <a:off x="5088384" y="2737245"/>
+            <a:off x="5088388" y="2737251"/>
             <a:ext cx="4185617" cy="3304117"/>
           </a:xfrm>
         </p:spPr>
@@ -4154,7 +4159,7 @@
           <a:p>
             <a:fld id="{F9AC4278-265B-4B0A-9100-0A951AC96CF8}" type="datetime1">
               <a:rPr lang="en-US" altLang="zh-CN" smtClean="0"/>
-              <a:t>4/14/2017</a:t>
+              <a:t>4/16/2017</a:t>
             </a:fld>
             <a:endParaRPr lang="en-US" dirty="0"/>
           </a:p>
@@ -4240,7 +4245,7 @@
         </p:nvSpPr>
         <p:spPr>
           <a:xfrm>
-            <a:off x="677334" y="609600"/>
+            <a:off x="677335" y="609600"/>
             <a:ext cx="8596668" cy="1320800"/>
           </a:xfrm>
         </p:spPr>
@@ -4273,7 +4278,7 @@
           <a:p>
             <a:fld id="{987751E3-D445-4DCE-87A2-BA2335A23857}" type="datetime1">
               <a:rPr lang="en-US" altLang="zh-CN" smtClean="0"/>
-              <a:t>4/14/2017</a:t>
+              <a:t>4/16/2017</a:t>
             </a:fld>
             <a:endParaRPr lang="en-US" dirty="0"/>
           </a:p>
@@ -4364,7 +4369,7 @@
           <a:p>
             <a:fld id="{53DD5D77-F303-4A90-88B6-6C5EB99B63E2}" type="datetime1">
               <a:rPr lang="en-US" altLang="zh-CN" smtClean="0"/>
-              <a:t>4/14/2017</a:t>
+              <a:t>4/16/2017</a:t>
             </a:fld>
             <a:endParaRPr lang="en-US" dirty="0"/>
           </a:p>
@@ -4450,7 +4455,7 @@
         </p:nvSpPr>
         <p:spPr>
           <a:xfrm>
-            <a:off x="677334" y="1498604"/>
+            <a:off x="677335" y="1498604"/>
             <a:ext cx="3854528" cy="1278466"/>
           </a:xfrm>
         </p:spPr>
@@ -4484,7 +4489,7 @@
         </p:nvSpPr>
         <p:spPr>
           <a:xfrm>
-            <a:off x="4760461" y="514924"/>
+            <a:off x="4760464" y="514930"/>
             <a:ext cx="4513541" cy="5526437"/>
           </a:xfrm>
         </p:spPr>
@@ -4543,7 +4548,7 @@
         </p:nvSpPr>
         <p:spPr>
           <a:xfrm>
-            <a:off x="677334" y="2777069"/>
+            <a:off x="677335" y="2777069"/>
             <a:ext cx="3854528" cy="2584449"/>
           </a:xfrm>
         </p:spPr>
@@ -4556,35 +4561,35 @@
               <a:buNone/>
               <a:defRPr sz="1400"/>
             </a:lvl1pPr>
-            <a:lvl2pPr marL="457063" indent="0">
+            <a:lvl2pPr marL="457051" indent="0">
               <a:buNone/>
               <a:defRPr sz="1400"/>
             </a:lvl2pPr>
-            <a:lvl3pPr marL="914126" indent="0">
+            <a:lvl3pPr marL="914104" indent="0">
               <a:buNone/>
               <a:defRPr sz="1200"/>
             </a:lvl3pPr>
-            <a:lvl4pPr marL="1371189" indent="0">
+            <a:lvl4pPr marL="1371155" indent="0">
               <a:buNone/>
               <a:defRPr sz="1000"/>
             </a:lvl4pPr>
-            <a:lvl5pPr marL="1828251" indent="0">
+            <a:lvl5pPr marL="1828205" indent="0">
               <a:buNone/>
               <a:defRPr sz="1000"/>
             </a:lvl5pPr>
-            <a:lvl6pPr marL="2285314" indent="0">
+            <a:lvl6pPr marL="2285258" indent="0">
               <a:buNone/>
               <a:defRPr sz="1000"/>
             </a:lvl6pPr>
-            <a:lvl7pPr marL="2742377" indent="0">
+            <a:lvl7pPr marL="2742309" indent="0">
               <a:buNone/>
               <a:defRPr sz="1000"/>
             </a:lvl7pPr>
-            <a:lvl8pPr marL="3199440" indent="0">
+            <a:lvl8pPr marL="3199360" indent="0">
               <a:buNone/>
               <a:defRPr sz="1000"/>
             </a:lvl8pPr>
-            <a:lvl9pPr marL="3656503" indent="0">
+            <a:lvl9pPr marL="3656411" indent="0">
               <a:buNone/>
               <a:defRPr sz="1000"/>
             </a:lvl9pPr>
@@ -4615,7 +4620,7 @@
           <a:p>
             <a:fld id="{858F12B0-674A-4C71-9513-ECC01333E87F}" type="datetime1">
               <a:rPr lang="en-US" altLang="zh-CN" smtClean="0"/>
-              <a:t>4/14/2017</a:t>
+              <a:t>4/16/2017</a:t>
             </a:fld>
             <a:endParaRPr lang="en-US" dirty="0"/>
           </a:p>
@@ -4700,7 +4705,7 @@
         </p:nvSpPr>
         <p:spPr>
           <a:xfrm>
-            <a:off x="677334" y="4800600"/>
+            <a:off x="677336" y="4800600"/>
             <a:ext cx="8596667" cy="566738"/>
           </a:xfrm>
         </p:spPr>
@@ -4734,7 +4739,7 @@
         </p:nvSpPr>
         <p:spPr>
           <a:xfrm>
-            <a:off x="677334" y="609600"/>
+            <a:off x="677335" y="609600"/>
             <a:ext cx="8596668" cy="3845718"/>
           </a:xfrm>
         </p:spPr>
@@ -4747,35 +4752,35 @@
               <a:buNone/>
               <a:defRPr sz="1600"/>
             </a:lvl1pPr>
-            <a:lvl2pPr marL="457200" indent="0">
+            <a:lvl2pPr marL="457189" indent="0">
               <a:buNone/>
               <a:defRPr sz="1600"/>
             </a:lvl2pPr>
-            <a:lvl3pPr marL="914400" indent="0">
+            <a:lvl3pPr marL="914377" indent="0">
               <a:buNone/>
               <a:defRPr sz="1600"/>
             </a:lvl3pPr>
-            <a:lvl4pPr marL="1371600" indent="0">
+            <a:lvl4pPr marL="1371566" indent="0">
               <a:buNone/>
               <a:defRPr sz="1600"/>
             </a:lvl4pPr>
-            <a:lvl5pPr marL="1828800" indent="0">
+            <a:lvl5pPr marL="1828754" indent="0">
               <a:buNone/>
               <a:defRPr sz="1600"/>
             </a:lvl5pPr>
-            <a:lvl6pPr marL="2286000" indent="0">
+            <a:lvl6pPr marL="2285943" indent="0">
               <a:buNone/>
               <a:defRPr sz="1600"/>
             </a:lvl6pPr>
-            <a:lvl7pPr marL="2743200" indent="0">
+            <a:lvl7pPr marL="2743131" indent="0">
               <a:buNone/>
               <a:defRPr sz="1600"/>
             </a:lvl7pPr>
-            <a:lvl8pPr marL="3200400" indent="0">
+            <a:lvl8pPr marL="3200320" indent="0">
               <a:buNone/>
               <a:defRPr sz="1600"/>
             </a:lvl8pPr>
-            <a:lvl9pPr marL="3657600" indent="0">
+            <a:lvl9pPr marL="3657509" indent="0">
               <a:buNone/>
               <a:defRPr sz="1600"/>
             </a:lvl9pPr>
@@ -4801,7 +4806,7 @@
         </p:nvSpPr>
         <p:spPr>
           <a:xfrm>
-            <a:off x="677334" y="5367338"/>
+            <a:off x="677336" y="5367338"/>
             <a:ext cx="8596667" cy="674024"/>
           </a:xfrm>
         </p:spPr>
@@ -4814,35 +4819,35 @@
               <a:buNone/>
               <a:defRPr sz="1200"/>
             </a:lvl1pPr>
-            <a:lvl2pPr marL="457200" indent="0">
+            <a:lvl2pPr marL="457189" indent="0">
               <a:buNone/>
               <a:defRPr sz="1200"/>
             </a:lvl2pPr>
-            <a:lvl3pPr marL="914400" indent="0">
+            <a:lvl3pPr marL="914377" indent="0">
               <a:buNone/>
               <a:defRPr sz="1000"/>
             </a:lvl3pPr>
-            <a:lvl4pPr marL="1371600" indent="0">
+            <a:lvl4pPr marL="1371566" indent="0">
               <a:buNone/>
               <a:defRPr sz="900"/>
             </a:lvl4pPr>
-            <a:lvl5pPr marL="1828800" indent="0">
+            <a:lvl5pPr marL="1828754" indent="0">
               <a:buNone/>
               <a:defRPr sz="900"/>
             </a:lvl5pPr>
-            <a:lvl6pPr marL="2286000" indent="0">
+            <a:lvl6pPr marL="2285943" indent="0">
               <a:buNone/>
               <a:defRPr sz="900"/>
             </a:lvl6pPr>
-            <a:lvl7pPr marL="2743200" indent="0">
+            <a:lvl7pPr marL="2743131" indent="0">
               <a:buNone/>
               <a:defRPr sz="900"/>
             </a:lvl7pPr>
-            <a:lvl8pPr marL="3200400" indent="0">
+            <a:lvl8pPr marL="3200320" indent="0">
               <a:buNone/>
               <a:defRPr sz="900"/>
             </a:lvl8pPr>
-            <a:lvl9pPr marL="3657600" indent="0">
+            <a:lvl9pPr marL="3657509" indent="0">
               <a:buNone/>
               <a:defRPr sz="900"/>
             </a:lvl9pPr>
@@ -4916,7 +4921,7 @@
           <a:p>
             <a:fld id="{D2ECF747-6E6E-4D80-B286-26E38F4E19F8}" type="datetime1">
               <a:rPr lang="en-US" altLang="zh-CN" smtClean="0"/>
-              <a:t>4/14/2017</a:t>
+              <a:t>4/16/2017</a:t>
             </a:fld>
             <a:endParaRPr lang="en-US" dirty="0"/>
           </a:p>
@@ -5495,7 +5500,7 @@
         </p:nvSpPr>
         <p:spPr>
           <a:xfrm>
-            <a:off x="677334" y="609600"/>
+            <a:off x="677335" y="609600"/>
             <a:ext cx="8596668" cy="1320800"/>
           </a:xfrm>
           <a:prstGeom prst="rect">
@@ -5528,7 +5533,7 @@
         </p:nvSpPr>
         <p:spPr>
           <a:xfrm>
-            <a:off x="677334" y="2160589"/>
+            <a:off x="677335" y="2160590"/>
             <a:ext cx="8596668" cy="3880773"/>
           </a:xfrm>
           <a:prstGeom prst="rect">
@@ -5590,7 +5595,7 @@
         </p:nvSpPr>
         <p:spPr>
           <a:xfrm>
-            <a:off x="7205133" y="6041362"/>
+            <a:off x="7205133" y="6041368"/>
             <a:ext cx="911939" cy="365125"/>
           </a:xfrm>
           <a:prstGeom prst="rect">
@@ -5613,7 +5618,7 @@
           <a:p>
             <a:fld id="{B1EE3DA4-8447-4B0E-9BE1-C8176FA10B34}" type="datetime1">
               <a:rPr lang="en-US" altLang="zh-CN" smtClean="0"/>
-              <a:t>4/14/2017</a:t>
+              <a:t>4/16/2017</a:t>
             </a:fld>
             <a:endParaRPr lang="en-US" dirty="0"/>
           </a:p>
@@ -5631,7 +5636,7 @@
         </p:nvSpPr>
         <p:spPr>
           <a:xfrm>
-            <a:off x="677334" y="6041362"/>
+            <a:off x="677335" y="6041368"/>
             <a:ext cx="6297612" cy="365125"/>
           </a:xfrm>
           <a:prstGeom prst="rect">
@@ -5668,7 +5673,7 @@
         </p:nvSpPr>
         <p:spPr>
           <a:xfrm>
-            <a:off x="8590663" y="6041362"/>
+            <a:off x="8590665" y="6041368"/>
             <a:ext cx="683339" cy="365125"/>
           </a:xfrm>
           <a:prstGeom prst="rect">
@@ -5720,7 +5725,7 @@
   <p:hf hdr="0" ftr="0" dt="0"/>
   <p:txStyles>
     <p:titleStyle>
-      <a:lvl1pPr algn="l" defTabSz="457200" rtl="0" eaLnBrk="1" latinLnBrk="0" hangingPunct="1">
+      <a:lvl1pPr algn="l" defTabSz="457189" rtl="0" eaLnBrk="1" latinLnBrk="0" hangingPunct="1">
         <a:spcBef>
           <a:spcPct val="0"/>
         </a:spcBef>
@@ -5792,7 +5797,7 @@
       </a:lvl9pPr>
     </p:titleStyle>
     <p:bodyStyle>
-      <a:lvl1pPr marL="342900" indent="-342900" algn="l" defTabSz="457200" rtl="0" eaLnBrk="1" latinLnBrk="0" hangingPunct="1">
+      <a:lvl1pPr marL="342891" indent="-342891" algn="l" defTabSz="457189" rtl="0" eaLnBrk="1" latinLnBrk="0" hangingPunct="1">
         <a:spcBef>
           <a:spcPts val="1000"/>
         </a:spcBef>
@@ -5817,7 +5822,7 @@
           <a:cs typeface="+mn-cs"/>
         </a:defRPr>
       </a:lvl1pPr>
-      <a:lvl2pPr marL="742950" indent="-285750" algn="l" defTabSz="457200" rtl="0" eaLnBrk="1" latinLnBrk="0" hangingPunct="1">
+      <a:lvl2pPr marL="742932" indent="-285744" algn="l" defTabSz="457189" rtl="0" eaLnBrk="1" latinLnBrk="0" hangingPunct="1">
         <a:spcBef>
           <a:spcPts val="1000"/>
         </a:spcBef>
@@ -5842,7 +5847,7 @@
           <a:cs typeface="+mn-cs"/>
         </a:defRPr>
       </a:lvl2pPr>
-      <a:lvl3pPr marL="1143000" indent="-228600" algn="l" defTabSz="457200" rtl="0" eaLnBrk="1" latinLnBrk="0" hangingPunct="1">
+      <a:lvl3pPr marL="1142971" indent="-228594" algn="l" defTabSz="457189" rtl="0" eaLnBrk="1" latinLnBrk="0" hangingPunct="1">
         <a:spcBef>
           <a:spcPts val="1000"/>
         </a:spcBef>
@@ -5867,7 +5872,7 @@
           <a:cs typeface="+mn-cs"/>
         </a:defRPr>
       </a:lvl3pPr>
-      <a:lvl4pPr marL="1600200" indent="-228600" algn="l" defTabSz="457200" rtl="0" eaLnBrk="1" latinLnBrk="0" hangingPunct="1">
+      <a:lvl4pPr marL="1600160" indent="-228594" algn="l" defTabSz="457189" rtl="0" eaLnBrk="1" latinLnBrk="0" hangingPunct="1">
         <a:spcBef>
           <a:spcPts val="1000"/>
         </a:spcBef>
@@ -5892,7 +5897,7 @@
           <a:cs typeface="+mn-cs"/>
         </a:defRPr>
       </a:lvl4pPr>
-      <a:lvl5pPr marL="2057400" indent="-228600" algn="l" defTabSz="457200" rtl="0" eaLnBrk="1" latinLnBrk="0" hangingPunct="1">
+      <a:lvl5pPr marL="2057349" indent="-228594" algn="l" defTabSz="457189" rtl="0" eaLnBrk="1" latinLnBrk="0" hangingPunct="1">
         <a:spcBef>
           <a:spcPts val="1000"/>
         </a:spcBef>
@@ -5917,7 +5922,7 @@
           <a:cs typeface="+mn-cs"/>
         </a:defRPr>
       </a:lvl5pPr>
-      <a:lvl6pPr marL="2514600" indent="-228600" algn="l" defTabSz="457200" rtl="0" eaLnBrk="1" latinLnBrk="0" hangingPunct="1">
+      <a:lvl6pPr marL="2514537" indent="-228594" algn="l" defTabSz="457189" rtl="0" eaLnBrk="1" latinLnBrk="0" hangingPunct="1">
         <a:spcBef>
           <a:spcPts val="1000"/>
         </a:spcBef>
@@ -5942,7 +5947,7 @@
           <a:cs typeface="+mn-cs"/>
         </a:defRPr>
       </a:lvl6pPr>
-      <a:lvl7pPr marL="2971800" indent="-228600" algn="l" defTabSz="457200" rtl="0" eaLnBrk="1" latinLnBrk="0" hangingPunct="1">
+      <a:lvl7pPr marL="2971726" indent="-228594" algn="l" defTabSz="457189" rtl="0" eaLnBrk="1" latinLnBrk="0" hangingPunct="1">
         <a:spcBef>
           <a:spcPts val="1000"/>
         </a:spcBef>
@@ -5967,7 +5972,7 @@
           <a:cs typeface="+mn-cs"/>
         </a:defRPr>
       </a:lvl7pPr>
-      <a:lvl8pPr marL="3429000" indent="-228600" algn="l" defTabSz="457200" rtl="0" eaLnBrk="1" latinLnBrk="0" hangingPunct="1">
+      <a:lvl8pPr marL="3428914" indent="-228594" algn="l" defTabSz="457189" rtl="0" eaLnBrk="1" latinLnBrk="0" hangingPunct="1">
         <a:spcBef>
           <a:spcPts val="1000"/>
         </a:spcBef>
@@ -5992,7 +5997,7 @@
           <a:cs typeface="+mn-cs"/>
         </a:defRPr>
       </a:lvl8pPr>
-      <a:lvl9pPr marL="3886200" indent="-228600" algn="l" defTabSz="457200" rtl="0" eaLnBrk="1" latinLnBrk="0" hangingPunct="1">
+      <a:lvl9pPr marL="3886103" indent="-228594" algn="l" defTabSz="457189" rtl="0" eaLnBrk="1" latinLnBrk="0" hangingPunct="1">
         <a:spcBef>
           <a:spcPts val="1000"/>
         </a:spcBef>
@@ -6022,7 +6027,7 @@
       <a:defPPr>
         <a:defRPr lang="en-US"/>
       </a:defPPr>
-      <a:lvl1pPr marL="0" algn="l" defTabSz="457200" rtl="0" eaLnBrk="1" latinLnBrk="0" hangingPunct="1">
+      <a:lvl1pPr marL="0" algn="l" defTabSz="457189" rtl="0" eaLnBrk="1" latinLnBrk="0" hangingPunct="1">
         <a:defRPr sz="1800" kern="1200">
           <a:solidFill>
             <a:schemeClr val="tx1"/>
@@ -6032,7 +6037,7 @@
           <a:cs typeface="+mn-cs"/>
         </a:defRPr>
       </a:lvl1pPr>
-      <a:lvl2pPr marL="457200" algn="l" defTabSz="457200" rtl="0" eaLnBrk="1" latinLnBrk="0" hangingPunct="1">
+      <a:lvl2pPr marL="457189" algn="l" defTabSz="457189" rtl="0" eaLnBrk="1" latinLnBrk="0" hangingPunct="1">
         <a:defRPr sz="1800" kern="1200">
           <a:solidFill>
             <a:schemeClr val="tx1"/>
@@ -6042,7 +6047,7 @@
           <a:cs typeface="+mn-cs"/>
         </a:defRPr>
       </a:lvl2pPr>
-      <a:lvl3pPr marL="914400" algn="l" defTabSz="457200" rtl="0" eaLnBrk="1" latinLnBrk="0" hangingPunct="1">
+      <a:lvl3pPr marL="914377" algn="l" defTabSz="457189" rtl="0" eaLnBrk="1" latinLnBrk="0" hangingPunct="1">
         <a:defRPr sz="1800" kern="1200">
           <a:solidFill>
             <a:schemeClr val="tx1"/>
@@ -6052,7 +6057,7 @@
           <a:cs typeface="+mn-cs"/>
         </a:defRPr>
       </a:lvl3pPr>
-      <a:lvl4pPr marL="1371600" algn="l" defTabSz="457200" rtl="0" eaLnBrk="1" latinLnBrk="0" hangingPunct="1">
+      <a:lvl4pPr marL="1371566" algn="l" defTabSz="457189" rtl="0" eaLnBrk="1" latinLnBrk="0" hangingPunct="1">
         <a:defRPr sz="1800" kern="1200">
           <a:solidFill>
             <a:schemeClr val="tx1"/>
@@ -6062,7 +6067,7 @@
           <a:cs typeface="+mn-cs"/>
         </a:defRPr>
       </a:lvl4pPr>
-      <a:lvl5pPr marL="1828800" algn="l" defTabSz="457200" rtl="0" eaLnBrk="1" latinLnBrk="0" hangingPunct="1">
+      <a:lvl5pPr marL="1828754" algn="l" defTabSz="457189" rtl="0" eaLnBrk="1" latinLnBrk="0" hangingPunct="1">
         <a:defRPr sz="1800" kern="1200">
           <a:solidFill>
             <a:schemeClr val="tx1"/>
@@ -6072,7 +6077,7 @@
           <a:cs typeface="+mn-cs"/>
         </a:defRPr>
       </a:lvl5pPr>
-      <a:lvl6pPr marL="2286000" algn="l" defTabSz="457200" rtl="0" eaLnBrk="1" latinLnBrk="0" hangingPunct="1">
+      <a:lvl6pPr marL="2285943" algn="l" defTabSz="457189" rtl="0" eaLnBrk="1" latinLnBrk="0" hangingPunct="1">
         <a:defRPr sz="1800" kern="1200">
           <a:solidFill>
             <a:schemeClr val="tx1"/>
@@ -6082,7 +6087,7 @@
           <a:cs typeface="+mn-cs"/>
         </a:defRPr>
       </a:lvl6pPr>
-      <a:lvl7pPr marL="2743200" algn="l" defTabSz="457200" rtl="0" eaLnBrk="1" latinLnBrk="0" hangingPunct="1">
+      <a:lvl7pPr marL="2743131" algn="l" defTabSz="457189" rtl="0" eaLnBrk="1" latinLnBrk="0" hangingPunct="1">
         <a:defRPr sz="1800" kern="1200">
           <a:solidFill>
             <a:schemeClr val="tx1"/>
@@ -6092,7 +6097,7 @@
           <a:cs typeface="+mn-cs"/>
         </a:defRPr>
       </a:lvl7pPr>
-      <a:lvl8pPr marL="3200400" algn="l" defTabSz="457200" rtl="0" eaLnBrk="1" latinLnBrk="0" hangingPunct="1">
+      <a:lvl8pPr marL="3200320" algn="l" defTabSz="457189" rtl="0" eaLnBrk="1" latinLnBrk="0" hangingPunct="1">
         <a:defRPr sz="1800" kern="1200">
           <a:solidFill>
             <a:schemeClr val="tx1"/>
@@ -6102,7 +6107,7 @@
           <a:cs typeface="+mn-cs"/>
         </a:defRPr>
       </a:lvl8pPr>
-      <a:lvl9pPr marL="3657600" algn="l" defTabSz="457200" rtl="0" eaLnBrk="1" latinLnBrk="0" hangingPunct="1">
+      <a:lvl9pPr marL="3657509" algn="l" defTabSz="457189" rtl="0" eaLnBrk="1" latinLnBrk="0" hangingPunct="1">
         <a:defRPr sz="1800" kern="1200">
           <a:solidFill>
             <a:schemeClr val="tx1"/>
@@ -6146,7 +6151,7 @@
         </p:nvSpPr>
         <p:spPr>
           <a:xfrm>
-            <a:off x="1507067" y="1058779"/>
+            <a:off x="1507067" y="1058781"/>
             <a:ext cx="7766936" cy="2992057"/>
           </a:xfrm>
         </p:spPr>
@@ -6155,19 +6160,15 @@
           <a:lstStyle/>
           <a:p>
             <a:r>
-              <a:rPr lang="en-US" altLang="zh-CN" sz="6000" dirty="0" smtClean="0"/>
+              <a:rPr lang="en-US" altLang="zh-CN" sz="6000" dirty="0"/>
               <a:t>Compressing </a:t>
             </a:r>
             <a:br>
-              <a:rPr lang="en-US" altLang="zh-CN" sz="6000" dirty="0" smtClean="0"/>
+              <a:rPr lang="en-US" altLang="zh-CN" sz="6000" dirty="0"/>
             </a:br>
             <a:r>
-              <a:rPr lang="en-US" altLang="zh-CN" sz="6000" dirty="0" smtClean="0"/>
-              <a:t>deep </a:t>
-            </a:r>
-            <a:r>
               <a:rPr lang="en-US" altLang="zh-CN" sz="6000" dirty="0"/>
-              <a:t>neural network</a:t>
+              <a:t>deep neural network</a:t>
             </a:r>
             <a:endParaRPr lang="zh-CN" altLang="en-US" sz="6000" dirty="0"/>
           </a:p>
@@ -6304,8 +6305,8 @@
         </p:nvSpPr>
         <p:spPr>
           <a:xfrm>
-            <a:off x="677334" y="1270000"/>
-            <a:ext cx="4037541" cy="376238"/>
+            <a:off x="677335" y="1270000"/>
+            <a:ext cx="4037541" cy="369332"/>
           </a:xfrm>
           <a:prstGeom prst="rect">
             <a:avLst/>
@@ -6319,7 +6320,7 @@
           <a:lstStyle/>
           <a:p>
             <a:r>
-              <a:rPr lang="en-US" altLang="zh-CN" dirty="0" smtClean="0"/>
+              <a:rPr lang="en-US" altLang="zh-CN" dirty="0"/>
               <a:t>Compress ip1 Layer</a:t>
             </a:r>
             <a:endParaRPr lang="zh-CN" altLang="en-US" dirty="0"/>
@@ -6342,7 +6343,7 @@
         </p:blipFill>
         <p:spPr>
           <a:xfrm>
-            <a:off x="423862" y="2078038"/>
+            <a:off x="423863" y="2078039"/>
             <a:ext cx="9744075" cy="3952875"/>
           </a:xfrm>
           <a:prstGeom prst="rect">
@@ -6366,7 +6367,7 @@
         </p:blipFill>
         <p:spPr>
           <a:xfrm>
-            <a:off x="3051618" y="1186656"/>
+            <a:off x="3051619" y="1186661"/>
             <a:ext cx="3848100" cy="542925"/>
           </a:xfrm>
           <a:prstGeom prst="rect">
@@ -6465,8 +6466,8 @@
         </p:nvSpPr>
         <p:spPr>
           <a:xfrm>
-            <a:off x="677334" y="1270000"/>
-            <a:ext cx="4037541" cy="376238"/>
+            <a:off x="677335" y="1270000"/>
+            <a:ext cx="4037541" cy="369332"/>
           </a:xfrm>
           <a:prstGeom prst="rect">
             <a:avLst/>
@@ -6480,7 +6481,7 @@
           <a:lstStyle/>
           <a:p>
             <a:r>
-              <a:rPr lang="en-US" altLang="zh-CN" dirty="0" smtClean="0"/>
+              <a:rPr lang="en-US" altLang="zh-CN" dirty="0"/>
               <a:t>Compress ip1 Layer</a:t>
             </a:r>
             <a:endParaRPr lang="zh-CN" altLang="en-US" dirty="0"/>
@@ -6509,7 +6510,7 @@
         </p:blipFill>
         <p:spPr>
           <a:xfrm>
-            <a:off x="102864" y="1844035"/>
+            <a:off x="102865" y="1844037"/>
             <a:ext cx="5852172" cy="4389129"/>
           </a:xfrm>
           <a:prstGeom prst="rect">
@@ -6539,7 +6540,7 @@
         </p:blipFill>
         <p:spPr>
           <a:xfrm>
-            <a:off x="5570214" y="1808470"/>
+            <a:off x="5570215" y="1808475"/>
             <a:ext cx="5852172" cy="4389129"/>
           </a:xfrm>
           <a:prstGeom prst="rect">
@@ -6640,14 +6641,14 @@
             <p:ph idx="1"/>
             <p:extLst>
               <p:ext uri="{D42A27DB-BD31-4B8C-83A1-F6EECF244321}">
-                <p14:modId xmlns:p14="http://schemas.microsoft.com/office/powerpoint/2010/main" val="1069232165"/>
+                <p14:modId xmlns:p14="http://schemas.microsoft.com/office/powerpoint/2010/main" val="2391656432"/>
               </p:ext>
             </p:extLst>
           </p:nvPr>
         </p:nvGraphicFramePr>
         <p:xfrm>
-          <a:off x="677863" y="2160588"/>
-          <a:ext cx="7685085" cy="1648591"/>
+          <a:off x="677865" y="2160589"/>
+          <a:ext cx="7685086" cy="2011680"/>
         </p:xfrm>
         <a:graphic>
           <a:graphicData uri="http://schemas.openxmlformats.org/drawingml/2006/table">
@@ -6677,14 +6678,14 @@
                     </a:ext>
                   </a:extLst>
                 </a:gridCol>
-                <a:gridCol w="1569086">
+                <a:gridCol w="1632584">
                   <a:extLst>
                     <a:ext uri="{9D8B030D-6E8A-4147-A177-3AD203B41FA5}">
                       <a16:colId xmlns:a16="http://schemas.microsoft.com/office/drawing/2014/main" val="1024885648"/>
                     </a:ext>
                   </a:extLst>
                 </a:gridCol>
-                <a:gridCol w="1504948">
+                <a:gridCol w="1441451">
                   <a:extLst>
                     <a:ext uri="{9D8B030D-6E8A-4147-A177-3AD203B41FA5}">
                       <a16:colId xmlns:a16="http://schemas.microsoft.com/office/drawing/2014/main" val="887268008"/>
@@ -6692,17 +6693,17 @@
                   </a:extLst>
                 </a:gridCol>
               </a:tblGrid>
-              <a:tr h="603305">
+              <a:tr h="660400">
                 <a:tc>
                   <a:txBody>
                     <a:bodyPr/>
                     <a:lstStyle/>
                     <a:p>
                       <a:r>
-                        <a:rPr lang="en-US" altLang="zh-CN" dirty="0" smtClean="0"/>
+                        <a:rPr lang="en-US" altLang="zh-CN" sz="1900" dirty="0" smtClean="0"/>
                         <a:t>Method</a:t>
                       </a:r>
-                      <a:endParaRPr lang="zh-CN" altLang="en-US" dirty="0"/>
+                      <a:endParaRPr lang="zh-CN" altLang="en-US" sz="1900" dirty="0"/>
                     </a:p>
                   </a:txBody>
                   <a:tcPr/>
@@ -6713,10 +6714,10 @@
                     <a:lstStyle/>
                     <a:p>
                       <a:r>
-                        <a:rPr lang="en-US" altLang="zh-CN" dirty="0" smtClean="0"/>
+                        <a:rPr lang="en-US" altLang="zh-CN" sz="1900" dirty="0" smtClean="0"/>
                         <a:t>Accuracy</a:t>
                       </a:r>
-                      <a:endParaRPr lang="zh-CN" altLang="en-US" dirty="0"/>
+                      <a:endParaRPr lang="zh-CN" altLang="en-US" sz="1900" dirty="0"/>
                     </a:p>
                   </a:txBody>
                   <a:tcPr/>
@@ -6727,10 +6728,14 @@
                     <a:lstStyle/>
                     <a:p>
                       <a:r>
-                        <a:rPr lang="en-US" altLang="zh-CN" dirty="0" smtClean="0"/>
-                        <a:t>original size</a:t>
+                        <a:rPr lang="en-US" altLang="zh-CN" sz="1900" dirty="0" smtClean="0"/>
+                        <a:t>Original </a:t>
                       </a:r>
-                      <a:endParaRPr lang="zh-CN" altLang="en-US" dirty="0"/>
+                      <a:r>
+                        <a:rPr lang="en-US" altLang="zh-CN" sz="1900" dirty="0" smtClean="0"/>
+                        <a:t>size</a:t>
+                      </a:r>
+                      <a:endParaRPr lang="zh-CN" altLang="en-US" sz="1900" dirty="0"/>
                     </a:p>
                   </a:txBody>
                   <a:tcPr/>
@@ -6741,10 +6746,10 @@
                     <a:lstStyle/>
                     <a:p>
                       <a:r>
-                        <a:rPr lang="en-US" altLang="zh-CN" dirty="0" smtClean="0"/>
+                        <a:rPr lang="en-US" altLang="zh-CN" sz="1900" dirty="0" smtClean="0"/>
                         <a:t>Compression Rate</a:t>
                       </a:r>
-                      <a:endParaRPr lang="zh-CN" altLang="en-US" dirty="0"/>
+                      <a:endParaRPr lang="zh-CN" altLang="en-US" sz="1900" dirty="0"/>
                     </a:p>
                   </a:txBody>
                   <a:tcPr/>
@@ -6755,10 +6760,10 @@
                     <a:lstStyle/>
                     <a:p>
                       <a:r>
-                        <a:rPr lang="en-US" altLang="zh-CN" dirty="0" smtClean="0"/>
+                        <a:rPr lang="en-US" altLang="zh-CN" sz="1900" dirty="0" smtClean="0"/>
                         <a:t>Space Saving</a:t>
                       </a:r>
-                      <a:endParaRPr lang="zh-CN" altLang="en-US" dirty="0"/>
+                      <a:endParaRPr lang="zh-CN" altLang="en-US" sz="1900" dirty="0"/>
                     </a:p>
                   </a:txBody>
                   <a:tcPr/>
@@ -6776,10 +6781,10 @@
                     <a:lstStyle/>
                     <a:p>
                       <a:r>
-                        <a:rPr lang="en-US" altLang="zh-CN" dirty="0" smtClean="0"/>
+                        <a:rPr lang="en-US" altLang="zh-CN" sz="1900" dirty="0" smtClean="0"/>
                         <a:t>Compress ip1</a:t>
                       </a:r>
-                      <a:endParaRPr lang="zh-CN" altLang="en-US" dirty="0"/>
+                      <a:endParaRPr lang="zh-CN" altLang="en-US" sz="1900" dirty="0"/>
                     </a:p>
                   </a:txBody>
                   <a:tcPr/>
@@ -6790,10 +6795,10 @@
                     <a:lstStyle/>
                     <a:p>
                       <a:r>
-                        <a:rPr lang="en-US" altLang="zh-CN" dirty="0" smtClean="0"/>
+                        <a:rPr lang="en-US" altLang="zh-CN" sz="1900" dirty="0" smtClean="0"/>
                         <a:t>0.696</a:t>
                       </a:r>
-                      <a:endParaRPr lang="zh-CN" altLang="en-US" dirty="0"/>
+                      <a:endParaRPr lang="zh-CN" altLang="en-US" sz="1900" dirty="0"/>
                     </a:p>
                   </a:txBody>
                   <a:tcPr/>
@@ -6804,10 +6809,10 @@
                     <a:lstStyle/>
                     <a:p>
                       <a:r>
-                        <a:rPr lang="en-US" altLang="zh-CN" dirty="0" smtClean="0"/>
+                        <a:rPr lang="en-US" altLang="zh-CN" sz="1900" dirty="0" smtClean="0"/>
                         <a:t>1024 x 64</a:t>
                       </a:r>
-                      <a:endParaRPr lang="zh-CN" altLang="en-US" dirty="0"/>
+                      <a:endParaRPr lang="zh-CN" altLang="en-US" sz="1900" dirty="0"/>
                     </a:p>
                   </a:txBody>
                   <a:tcPr/>
@@ -6818,10 +6823,10 @@
                     <a:lstStyle/>
                     <a:p>
                       <a:r>
-                        <a:rPr lang="en-US" altLang="zh-CN" dirty="0" smtClean="0"/>
+                        <a:rPr lang="en-US" altLang="zh-CN" sz="1900" dirty="0" smtClean="0"/>
                         <a:t>74.71%</a:t>
                       </a:r>
-                      <a:endParaRPr lang="zh-CN" altLang="en-US" dirty="0"/>
+                      <a:endParaRPr lang="zh-CN" altLang="en-US" sz="1900" dirty="0"/>
                     </a:p>
                   </a:txBody>
                   <a:tcPr/>
@@ -6832,10 +6837,10 @@
                     <a:lstStyle/>
                     <a:p>
                       <a:r>
-                        <a:rPr lang="en-US" altLang="zh-CN" dirty="0" smtClean="0"/>
+                        <a:rPr lang="en-US" altLang="zh-CN" sz="1900" dirty="0" smtClean="0"/>
                         <a:t>16574</a:t>
                       </a:r>
-                      <a:endParaRPr lang="zh-CN" altLang="en-US" dirty="0"/>
+                      <a:endParaRPr lang="zh-CN" altLang="en-US" sz="1900" dirty="0"/>
                     </a:p>
                   </a:txBody>
                   <a:tcPr/>
@@ -6846,21 +6851,21 @@
                   </a:ext>
                 </a:extLst>
               </a:tr>
-              <a:tr h="523054">
+              <a:tr h="523055">
                 <a:tc>
                   <a:txBody>
                     <a:bodyPr/>
                     <a:lstStyle/>
                     <a:p>
                       <a:r>
-                        <a:rPr lang="en-US" altLang="zh-CN" dirty="0" smtClean="0"/>
+                        <a:rPr lang="en-US" altLang="zh-CN" sz="1900" dirty="0" smtClean="0"/>
                         <a:t>Compress</a:t>
                       </a:r>
                       <a:r>
-                        <a:rPr lang="en-US" altLang="zh-CN" baseline="0" dirty="0" smtClean="0"/>
+                        <a:rPr lang="en-US" altLang="zh-CN" sz="1900" baseline="0" dirty="0" smtClean="0"/>
                         <a:t> ip2</a:t>
                       </a:r>
-                      <a:endParaRPr lang="zh-CN" altLang="en-US" dirty="0"/>
+                      <a:endParaRPr lang="zh-CN" altLang="en-US" sz="1900" dirty="0"/>
                     </a:p>
                   </a:txBody>
                   <a:tcPr/>
@@ -6871,10 +6876,10 @@
                     <a:lstStyle/>
                     <a:p>
                       <a:r>
-                        <a:rPr lang="en-US" altLang="zh-CN" dirty="0" smtClean="0"/>
+                        <a:rPr lang="en-US" altLang="zh-CN" sz="1900" dirty="0" smtClean="0"/>
                         <a:t>0.690</a:t>
                       </a:r>
-                      <a:endParaRPr lang="zh-CN" altLang="en-US" dirty="0"/>
+                      <a:endParaRPr lang="zh-CN" altLang="en-US" sz="1900" dirty="0"/>
                     </a:p>
                   </a:txBody>
                   <a:tcPr/>
@@ -6885,10 +6890,10 @@
                     <a:lstStyle/>
                     <a:p>
                       <a:r>
-                        <a:rPr lang="en-US" altLang="zh-CN" dirty="0" smtClean="0"/>
+                        <a:rPr lang="en-US" altLang="zh-CN" sz="1900" dirty="0" smtClean="0"/>
                         <a:t>64 x 10</a:t>
                       </a:r>
-                      <a:endParaRPr lang="zh-CN" altLang="en-US" dirty="0"/>
+                      <a:endParaRPr lang="zh-CN" altLang="en-US" sz="1900" dirty="0"/>
                     </a:p>
                   </a:txBody>
                   <a:tcPr/>
@@ -6899,10 +6904,10 @@
                     <a:lstStyle/>
                     <a:p>
                       <a:r>
-                        <a:rPr lang="en-US" altLang="zh-CN" dirty="0" smtClean="0"/>
+                        <a:rPr lang="en-US" altLang="zh-CN" sz="1900" dirty="0" smtClean="0"/>
                         <a:t>92.50%</a:t>
                       </a:r>
-                      <a:endParaRPr lang="zh-CN" altLang="en-US" dirty="0"/>
+                      <a:endParaRPr lang="zh-CN" altLang="en-US" sz="1900" dirty="0"/>
                     </a:p>
                   </a:txBody>
                   <a:tcPr/>
@@ -6913,10 +6918,10 @@
                     <a:lstStyle/>
                     <a:p>
                       <a:r>
-                        <a:rPr lang="en-US" altLang="zh-CN" dirty="0" smtClean="0"/>
+                        <a:rPr lang="en-US" altLang="zh-CN" sz="1900" dirty="0" smtClean="0"/>
                         <a:t>48</a:t>
                       </a:r>
-                      <a:endParaRPr lang="zh-CN" altLang="en-US" dirty="0"/>
+                      <a:endParaRPr lang="zh-CN" altLang="en-US" sz="1900" dirty="0"/>
                     </a:p>
                   </a:txBody>
                   <a:tcPr/>
@@ -6939,7 +6944,7 @@
         </p:nvSpPr>
         <p:spPr>
           <a:xfrm>
-            <a:off x="677334" y="4010025"/>
+            <a:off x="677336" y="4138362"/>
             <a:ext cx="6895041" cy="646331"/>
           </a:xfrm>
           <a:prstGeom prst="rect">
@@ -6954,18 +6959,14 @@
           <a:lstStyle/>
           <a:p>
             <a:r>
-              <a:rPr lang="en-US" altLang="zh-CN" dirty="0" smtClean="0"/>
+              <a:rPr lang="en-US" altLang="zh-CN" dirty="0"/>
               <a:t>Compressing large-scale of full-connected layer</a:t>
             </a:r>
           </a:p>
           <a:p>
             <a:r>
               <a:rPr lang="en-US" altLang="zh-CN" dirty="0"/>
-              <a:t> </a:t>
-            </a:r>
-            <a:r>
-              <a:rPr lang="en-US" altLang="zh-CN" dirty="0" smtClean="0"/>
-              <a:t>   brings a better performance.</a:t>
+              <a:t>    brings a better performance.</a:t>
             </a:r>
             <a:endParaRPr lang="zh-CN" altLang="en-US" dirty="0"/>
           </a:p>
@@ -7066,7 +7067,7 @@
         </p:nvSpPr>
         <p:spPr>
           <a:xfrm>
-            <a:off x="677334" y="1598614"/>
+            <a:off x="677335" y="1598615"/>
             <a:ext cx="8596668" cy="3880773"/>
           </a:xfrm>
         </p:spPr>
@@ -7076,7 +7077,7 @@
           <a:p>
             <a:r>
               <a:rPr lang="en-US" altLang="zh-CN" dirty="0" smtClean="0"/>
-              <a:t>Adjust zero bias vector</a:t>
+              <a:t>Adjusting zero bias vector</a:t>
             </a:r>
           </a:p>
           <a:p>
@@ -7088,7 +7089,7 @@
           <a:p>
             <a:r>
               <a:rPr lang="en-US" altLang="zh-CN" dirty="0" smtClean="0"/>
-              <a:t>Compress full-connected layer automatically</a:t>
+              <a:t>Compressing full-connected layer automatically</a:t>
             </a:r>
           </a:p>
           <a:p>
@@ -7194,7 +7195,7 @@
         </p:nvSpPr>
         <p:spPr>
           <a:xfrm>
-            <a:off x="677334" y="1284069"/>
+            <a:off x="677335" y="1284070"/>
             <a:ext cx="4048125" cy="646331"/>
           </a:xfrm>
           <a:prstGeom prst="rect">
@@ -7209,8 +7210,12 @@
           <a:lstStyle/>
           <a:p>
             <a:r>
+              <a:rPr lang="en-US" altLang="zh-CN" dirty="0" smtClean="0"/>
+              <a:t>Adjusting </a:t>
+            </a:r>
+            <a:r>
               <a:rPr lang="en-US" altLang="zh-CN" dirty="0"/>
-              <a:t>Adjust zero bias vector</a:t>
+              <a:t>zero bias vector</a:t>
             </a:r>
           </a:p>
           <a:p>
@@ -7226,7 +7231,7 @@
         </p:nvSpPr>
         <p:spPr>
           <a:xfrm>
-            <a:off x="677334" y="1930400"/>
+            <a:off x="677335" y="1930401"/>
             <a:ext cx="3009039" cy="369332"/>
           </a:xfrm>
           <a:prstGeom prst="rect">
@@ -7270,7 +7275,7 @@
         </p:nvSpPr>
         <p:spPr>
           <a:xfrm>
-            <a:off x="677334" y="2263775"/>
+            <a:off x="677335" y="2263775"/>
             <a:ext cx="2437343" cy="369332"/>
           </a:xfrm>
           <a:prstGeom prst="rect">
@@ -7293,18 +7298,7 @@
                   </a:schemeClr>
                 </a:solidFill>
               </a:rPr>
-              <a:t>SVD </a:t>
-            </a:r>
-            <a:r>
-              <a:rPr lang="en-US" altLang="zh-CN" dirty="0">
-                <a:solidFill>
-                  <a:schemeClr val="tx1">
-                    <a:lumMod val="75000"/>
-                    <a:lumOff val="25000"/>
-                  </a:schemeClr>
-                </a:solidFill>
-              </a:rPr>
-              <a:t>compression:</a:t>
+              <a:t>SVD compression:</a:t>
             </a:r>
             <a:endParaRPr lang="zh-CN" altLang="en-US" dirty="0">
               <a:solidFill>
@@ -7333,7 +7327,7 @@
         </p:blipFill>
         <p:spPr>
           <a:xfrm>
-            <a:off x="3291596" y="1836312"/>
+            <a:off x="3291596" y="1836317"/>
             <a:ext cx="1066800" cy="409575"/>
           </a:xfrm>
           <a:prstGeom prst="rect">
@@ -7357,8 +7351,8 @@
         </p:blipFill>
         <p:spPr>
           <a:xfrm>
-            <a:off x="3253496" y="2245887"/>
-            <a:ext cx="2076450" cy="381000"/>
+            <a:off x="3253498" y="2245887"/>
+            <a:ext cx="2076451" cy="381000"/>
           </a:xfrm>
           <a:prstGeom prst="rect">
             <a:avLst/>
@@ -7381,7 +7375,7 @@
         </p:blipFill>
         <p:spPr>
           <a:xfrm>
-            <a:off x="5533872" y="2215078"/>
+            <a:off x="5533877" y="2215082"/>
             <a:ext cx="1533525" cy="466725"/>
           </a:xfrm>
           <a:prstGeom prst="rect">
@@ -7405,7 +7399,7 @@
         </p:blipFill>
         <p:spPr>
           <a:xfrm>
-            <a:off x="3253496" y="2798130"/>
+            <a:off x="3253501" y="2798131"/>
             <a:ext cx="1857375" cy="571500"/>
           </a:xfrm>
           <a:prstGeom prst="rect">
@@ -7421,7 +7415,7 @@
         </p:nvSpPr>
         <p:spPr>
           <a:xfrm>
-            <a:off x="677334" y="2899214"/>
+            <a:off x="677335" y="2899214"/>
             <a:ext cx="2113491" cy="369332"/>
           </a:xfrm>
           <a:prstGeom prst="rect">
@@ -7436,7 +7430,7 @@
           <a:lstStyle/>
           <a:p>
             <a:r>
-              <a:rPr lang="en-US" altLang="zh-CN" dirty="0" smtClean="0"/>
+              <a:rPr lang="en-US" altLang="zh-CN" dirty="0"/>
               <a:t>For each example:</a:t>
             </a:r>
             <a:endParaRPr lang="zh-CN" altLang="en-US" dirty="0"/>
@@ -7451,7 +7445,7 @@
         </p:nvSpPr>
         <p:spPr>
           <a:xfrm>
-            <a:off x="677334" y="3534653"/>
+            <a:off x="677335" y="3534653"/>
             <a:ext cx="2351616" cy="369332"/>
           </a:xfrm>
           <a:prstGeom prst="rect">
@@ -7466,7 +7460,7 @@
           <a:lstStyle/>
           <a:p>
             <a:r>
-              <a:rPr lang="en-US" altLang="zh-CN" dirty="0" smtClean="0"/>
+              <a:rPr lang="en-US" altLang="zh-CN" dirty="0"/>
               <a:t>Overall Error:</a:t>
             </a:r>
             <a:endParaRPr lang="zh-CN" altLang="en-US" dirty="0"/>
@@ -7489,7 +7483,7 @@
         </p:blipFill>
         <p:spPr>
           <a:xfrm>
-            <a:off x="3253496" y="3371656"/>
+            <a:off x="3253501" y="3371661"/>
             <a:ext cx="1076325" cy="695325"/>
           </a:xfrm>
           <a:prstGeom prst="rect">
@@ -7505,7 +7499,7 @@
         </p:nvSpPr>
         <p:spPr>
           <a:xfrm>
-            <a:off x="677334" y="4386716"/>
+            <a:off x="677335" y="4386716"/>
             <a:ext cx="2657475" cy="369332"/>
           </a:xfrm>
           <a:prstGeom prst="rect">
@@ -7520,7 +7514,7 @@
           <a:lstStyle/>
           <a:p>
             <a:r>
-              <a:rPr lang="en-US" altLang="zh-CN" dirty="0" smtClean="0"/>
+              <a:rPr lang="en-US" altLang="zh-CN" dirty="0"/>
               <a:t>Minimize J, so: </a:t>
             </a:r>
             <a:endParaRPr lang="zh-CN" altLang="en-US" dirty="0"/>
@@ -7543,8 +7537,8 @@
         </p:blipFill>
         <p:spPr>
           <a:xfrm>
-            <a:off x="3253496" y="4380496"/>
-            <a:ext cx="3676650" cy="371475"/>
+            <a:off x="3253498" y="4380501"/>
+            <a:ext cx="3676651" cy="371475"/>
           </a:xfrm>
           <a:prstGeom prst="rect">
             <a:avLst/>
@@ -7559,7 +7553,7 @@
         </p:nvSpPr>
         <p:spPr>
           <a:xfrm>
-            <a:off x="677334" y="5095875"/>
+            <a:off x="677336" y="5095877"/>
             <a:ext cx="7047441" cy="646331"/>
           </a:xfrm>
           <a:prstGeom prst="rect">
@@ -7574,21 +7568,21 @@
           <a:lstStyle/>
           <a:p>
             <a:r>
-              <a:rPr lang="en-US" altLang="zh-CN" dirty="0" smtClean="0"/>
+              <a:rPr lang="en-US" altLang="zh-CN" dirty="0"/>
               <a:t>However, g is close to zero vector.</a:t>
             </a:r>
           </a:p>
           <a:p>
             <a:r>
-              <a:rPr lang="en-US" altLang="zh-CN" dirty="0" smtClean="0"/>
+              <a:rPr lang="en-US" altLang="zh-CN" dirty="0"/>
               <a:t>This method is </a:t>
             </a:r>
             <a:r>
-              <a:rPr lang="en-US" altLang="zh-CN" dirty="0" err="1" smtClean="0"/>
+              <a:rPr lang="en-US" altLang="zh-CN" dirty="0" err="1"/>
               <a:t>unuseful</a:t>
             </a:r>
             <a:r>
-              <a:rPr lang="en-US" altLang="zh-CN" dirty="0" smtClean="0"/>
+              <a:rPr lang="en-US" altLang="zh-CN" dirty="0"/>
               <a:t>.</a:t>
             </a:r>
             <a:endParaRPr lang="zh-CN" altLang="en-US" dirty="0"/>
@@ -7626,8 +7620,8 @@
         </p:nvSpPr>
         <p:spPr>
           <a:xfrm>
-            <a:off x="4805874" y="1301231"/>
-            <a:ext cx="628650" cy="361950"/>
+            <a:off x="4805875" y="1301233"/>
+            <a:ext cx="628651" cy="361951"/>
           </a:xfrm>
           <a:prstGeom prst="rect">
             <a:avLst/>
@@ -7655,7 +7649,7 @@
           <a:p>
             <a:pPr algn="ctr"/>
             <a:r>
-              <a:rPr lang="en-US" altLang="zh-CN" dirty="0" smtClean="0"/>
+              <a:rPr lang="en-US" altLang="zh-CN" dirty="0"/>
               <a:t>Z,0</a:t>
             </a:r>
             <a:endParaRPr lang="zh-CN" altLang="en-US" dirty="0"/>
@@ -7670,8 +7664,8 @@
         </p:nvSpPr>
         <p:spPr>
           <a:xfrm>
-            <a:off x="5628642" y="1293849"/>
-            <a:ext cx="628650" cy="361950"/>
+            <a:off x="5628643" y="1293852"/>
+            <a:ext cx="628651" cy="361951"/>
           </a:xfrm>
           <a:prstGeom prst="rect">
             <a:avLst/>
@@ -7699,7 +7693,7 @@
           <a:p>
             <a:pPr algn="ctr"/>
             <a:r>
-              <a:rPr lang="en-US" altLang="zh-CN" dirty="0" err="1" smtClean="0"/>
+              <a:rPr lang="en-US" altLang="zh-CN" dirty="0" err="1"/>
               <a:t>U,b</a:t>
             </a:r>
             <a:endParaRPr lang="zh-CN" altLang="en-US" dirty="0"/>
@@ -7717,8 +7711,8 @@
         </p:nvCxnSpPr>
         <p:spPr>
           <a:xfrm flipV="1">
-            <a:off x="5434524" y="1474824"/>
-            <a:ext cx="194118" cy="7382"/>
+            <a:off x="5434527" y="1474827"/>
+            <a:ext cx="194119" cy="7383"/>
           </a:xfrm>
           <a:prstGeom prst="straightConnector1">
             <a:avLst/>
@@ -7752,8 +7746,8 @@
         </p:nvCxnSpPr>
         <p:spPr>
           <a:xfrm>
-            <a:off x="4552600" y="1482206"/>
-            <a:ext cx="253274" cy="0"/>
+            <a:off x="4552602" y="1482207"/>
+            <a:ext cx="253275" cy="0"/>
           </a:xfrm>
           <a:prstGeom prst="straightConnector1">
             <a:avLst/>
@@ -7787,8 +7781,8 @@
         </p:nvCxnSpPr>
         <p:spPr>
           <a:xfrm>
-            <a:off x="6257292" y="1474824"/>
-            <a:ext cx="239663" cy="7382"/>
+            <a:off x="6257297" y="1474827"/>
+            <a:ext cx="239663" cy="7383"/>
           </a:xfrm>
           <a:prstGeom prst="straightConnector1">
             <a:avLst/>
@@ -7820,7 +7814,7 @@
         </p:nvSpPr>
         <p:spPr>
           <a:xfrm>
-            <a:off x="4229610" y="1268753"/>
+            <a:off x="4229614" y="1268753"/>
             <a:ext cx="866381" cy="369332"/>
           </a:xfrm>
           <a:prstGeom prst="rect">
@@ -7835,7 +7829,7 @@
           <a:lstStyle/>
           <a:p>
             <a:r>
-              <a:rPr lang="en-US" altLang="zh-CN" dirty="0" smtClean="0"/>
+              <a:rPr lang="en-US" altLang="zh-CN" dirty="0"/>
               <a:t>x</a:t>
             </a:r>
             <a:endParaRPr lang="zh-CN" altLang="en-US" dirty="0"/>
@@ -7850,7 +7844,7 @@
         </p:nvSpPr>
         <p:spPr>
           <a:xfrm>
-            <a:off x="6496955" y="1268753"/>
+            <a:off x="6496960" y="1268753"/>
             <a:ext cx="866381" cy="369332"/>
           </a:xfrm>
           <a:prstGeom prst="rect">
@@ -7865,7 +7859,7 @@
           <a:lstStyle/>
           <a:p>
             <a:r>
-              <a:rPr lang="en-US" altLang="zh-CN" dirty="0" smtClean="0"/>
+              <a:rPr lang="en-US" altLang="zh-CN" dirty="0"/>
               <a:t>y</a:t>
             </a:r>
             <a:endParaRPr lang="zh-CN" altLang="en-US" dirty="0"/>
@@ -8011,7 +8005,7 @@
         </p:nvSpPr>
         <p:spPr>
           <a:xfrm>
-            <a:off x="677334" y="1390650"/>
+            <a:off x="677335" y="1390651"/>
             <a:ext cx="5732991" cy="646331"/>
           </a:xfrm>
           <a:prstGeom prst="rect">
@@ -8051,7 +8045,7 @@
         </p:blipFill>
         <p:spPr>
           <a:xfrm>
-            <a:off x="677334" y="1814512"/>
+            <a:off x="677335" y="1814513"/>
             <a:ext cx="8101796" cy="4805363"/>
           </a:xfrm>
           <a:prstGeom prst="rect">
@@ -8150,7 +8144,7 @@
         </p:nvSpPr>
         <p:spPr>
           <a:xfrm>
-            <a:off x="677334" y="1457325"/>
+            <a:off x="677335" y="1457325"/>
             <a:ext cx="5399616" cy="646331"/>
           </a:xfrm>
           <a:prstGeom prst="rect">
@@ -8165,8 +8159,12 @@
           <a:lstStyle/>
           <a:p>
             <a:r>
+              <a:rPr lang="en-US" altLang="zh-CN" dirty="0" smtClean="0"/>
+              <a:t>Compressing </a:t>
+            </a:r>
+            <a:r>
               <a:rPr lang="en-US" altLang="zh-CN" dirty="0"/>
-              <a:t>Compress full-connected layer automatically</a:t>
+              <a:t>full-connected layer automatically</a:t>
             </a:r>
           </a:p>
           <a:p>
@@ -8182,7 +8180,7 @@
         </p:nvSpPr>
         <p:spPr>
           <a:xfrm>
-            <a:off x="677334" y="1780490"/>
+            <a:off x="677335" y="1780491"/>
             <a:ext cx="9153525" cy="646331"/>
           </a:xfrm>
           <a:prstGeom prst="rect">
@@ -8197,13 +8195,13 @@
           <a:lstStyle/>
           <a:p>
             <a:r>
-              <a:rPr lang="en-US" altLang="zh-CN" dirty="0" smtClean="0"/>
+              <a:rPr lang="en-US" altLang="zh-CN" dirty="0"/>
               <a:t>The larger the singular value is, </a:t>
             </a:r>
           </a:p>
           <a:p>
             <a:r>
-              <a:rPr lang="en-US" altLang="zh-CN" dirty="0" smtClean="0"/>
+              <a:rPr lang="en-US" altLang="zh-CN" dirty="0"/>
               <a:t>           The more important the singular vector is. </a:t>
             </a:r>
             <a:endParaRPr lang="zh-CN" altLang="en-US" dirty="0"/>
@@ -8226,7 +8224,7 @@
         </p:blipFill>
         <p:spPr>
           <a:xfrm>
-            <a:off x="3648075" y="2729814"/>
+            <a:off x="3648079" y="2729819"/>
             <a:ext cx="1666875" cy="371475"/>
           </a:xfrm>
           <a:prstGeom prst="rect">
@@ -8242,7 +8240,7 @@
         </p:nvSpPr>
         <p:spPr>
           <a:xfrm>
-            <a:off x="838200" y="2592387"/>
+            <a:off x="838201" y="2592388"/>
             <a:ext cx="2809875" cy="646331"/>
           </a:xfrm>
           <a:prstGeom prst="rect">
@@ -8257,16 +8255,8 @@
           <a:lstStyle/>
           <a:p>
             <a:r>
-              <a:rPr lang="en-US" altLang="zh-CN" dirty="0" smtClean="0"/>
-              <a:t>The singular values ordered </a:t>
-            </a:r>
-            <a:r>
               <a:rPr lang="en-US" altLang="zh-CN" dirty="0"/>
-              <a:t>by </a:t>
-            </a:r>
-            <a:r>
-              <a:rPr lang="en-US" altLang="zh-CN" dirty="0" smtClean="0"/>
-              <a:t>descending:</a:t>
+              <a:t>The singular values ordered by descending:</a:t>
             </a:r>
           </a:p>
         </p:txBody>
@@ -8287,8 +8277,8 @@
         </p:blipFill>
         <p:spPr>
           <a:xfrm>
-            <a:off x="4663017" y="3413045"/>
-            <a:ext cx="1628775" cy="476250"/>
+            <a:off x="4663023" y="3413047"/>
+            <a:ext cx="1628775" cy="476251"/>
           </a:xfrm>
           <a:prstGeom prst="rect">
             <a:avLst/>
@@ -8303,7 +8293,7 @@
         </p:nvSpPr>
         <p:spPr>
           <a:xfrm>
-            <a:off x="838200" y="3466504"/>
+            <a:off x="838201" y="3466504"/>
             <a:ext cx="733425" cy="369332"/>
           </a:xfrm>
           <a:prstGeom prst="rect">
@@ -8318,7 +8308,7 @@
           <a:lstStyle/>
           <a:p>
             <a:r>
-              <a:rPr lang="en-US" altLang="zh-CN" dirty="0" smtClean="0"/>
+              <a:rPr lang="en-US" altLang="zh-CN" dirty="0"/>
               <a:t>If</a:t>
             </a:r>
             <a:endParaRPr lang="zh-CN" altLang="en-US" dirty="0"/>
@@ -8333,7 +8323,7 @@
         </p:nvSpPr>
         <p:spPr>
           <a:xfrm>
-            <a:off x="1114425" y="3466504"/>
+            <a:off x="1114426" y="3466505"/>
             <a:ext cx="3971925" cy="369332"/>
           </a:xfrm>
           <a:prstGeom prst="rect">
@@ -8348,11 +8338,11 @@
           <a:lstStyle/>
           <a:p>
             <a:r>
-              <a:rPr lang="en-US" altLang="zh-CN" dirty="0" err="1" smtClean="0"/>
+              <a:rPr lang="en-US" altLang="zh-CN" dirty="0" err="1"/>
               <a:t>i</a:t>
             </a:r>
             <a:r>
-              <a:rPr lang="en-US" altLang="zh-CN" dirty="0" smtClean="0"/>
+              <a:rPr lang="en-US" altLang="zh-CN" dirty="0"/>
               <a:t> is minimum value meeting that</a:t>
             </a:r>
             <a:endParaRPr lang="zh-CN" altLang="en-US" dirty="0"/>
@@ -8382,11 +8372,11 @@
           <a:lstStyle/>
           <a:p>
             <a:r>
-              <a:rPr lang="en-US" altLang="zh-CN" dirty="0" smtClean="0"/>
+              <a:rPr lang="en-US" altLang="zh-CN" dirty="0"/>
               <a:t>Then r = </a:t>
             </a:r>
             <a:r>
-              <a:rPr lang="en-US" altLang="zh-CN" dirty="0" err="1" smtClean="0"/>
+              <a:rPr lang="en-US" altLang="zh-CN" dirty="0" err="1"/>
               <a:t>i</a:t>
             </a:r>
             <a:endParaRPr lang="zh-CN" altLang="en-US" dirty="0"/>
@@ -8409,8 +8399,8 @@
         </p:blipFill>
         <p:spPr>
           <a:xfrm>
-            <a:off x="2243137" y="4477346"/>
-            <a:ext cx="2571750" cy="485775"/>
+            <a:off x="2243140" y="4477352"/>
+            <a:ext cx="2571751" cy="485775"/>
           </a:xfrm>
           <a:prstGeom prst="rect">
             <a:avLst/>
@@ -8602,7 +8592,7 @@
         <p:spPr>
           <a:xfrm>
             <a:off x="677334" y="5762259"/>
-            <a:ext cx="7143750" cy="461665"/>
+            <a:ext cx="7143751" cy="461665"/>
           </a:xfrm>
           <a:prstGeom prst="rect">
             <a:avLst/>
@@ -8616,12 +8606,8 @@
           <a:lstStyle/>
           <a:p>
             <a:r>
-              <a:rPr lang="en-US" altLang="zh-CN" sz="1200" dirty="0" smtClean="0"/>
-              <a:t>Quoting from </a:t>
-            </a:r>
-            <a:r>
               <a:rPr lang="en-US" altLang="zh-CN" sz="1200" dirty="0"/>
-              <a:t>Song Han, </a:t>
+              <a:t>Quoting from Song Han, </a:t>
             </a:r>
             <a:r>
               <a:rPr lang="en-US" altLang="zh-CN" sz="1200" dirty="0" err="1"/>
@@ -8637,13 +8623,41 @@
             </a:r>
             <a:r>
               <a:rPr lang="en-US" altLang="zh-CN" sz="1200" dirty="0"/>
-              <a:t>, 1510.00149. 2016</a:t>
-            </a:r>
-            <a:r>
-              <a:rPr lang="en-US" altLang="zh-CN" sz="1200" dirty="0" smtClean="0"/>
-              <a:t>.</a:t>
-            </a:r>
-            <a:endParaRPr lang="en-US" altLang="zh-CN" sz="1200" dirty="0"/>
+              <a:t>, 1510.00149. 2016.</a:t>
+            </a:r>
+          </a:p>
+        </p:txBody>
+      </p:sp>
+      <p:sp>
+        <p:nvSpPr>
+          <p:cNvPr id="4" name="文本框 3"/>
+          <p:cNvSpPr txBox="1"/>
+          <p:nvPr/>
+        </p:nvSpPr>
+        <p:spPr>
+          <a:xfrm>
+            <a:off x="677333" y="1443789"/>
+            <a:ext cx="5811699" cy="646331"/>
+          </a:xfrm>
+          <a:prstGeom prst="rect">
+            <a:avLst/>
+          </a:prstGeom>
+          <a:noFill/>
+        </p:spPr>
+        <p:txBody>
+          <a:bodyPr wrap="square" rtlCol="0">
+            <a:spAutoFit/>
+          </a:bodyPr>
+          <a:lstStyle/>
+          <a:p>
+            <a:r>
+              <a:rPr lang="en-US" altLang="zh-CN" dirty="0"/>
+              <a:t>Pruning, Quantization and Huffman Coding</a:t>
+            </a:r>
+            <a:endParaRPr lang="zh-CN" altLang="en-US" dirty="0"/>
+          </a:p>
+          <a:p>
+            <a:endParaRPr lang="zh-CN" altLang="en-US" dirty="0"/>
           </a:p>
         </p:txBody>
       </p:sp>
@@ -8957,11 +8971,11 @@
           <a:lstStyle/>
           <a:p>
             <a:r>
-              <a:rPr lang="en-US" altLang="zh-CN" sz="8800" dirty="0" smtClean="0"/>
+              <a:rPr lang="en-US" altLang="zh-CN" sz="8800" dirty="0"/>
               <a:t>Thank you </a:t>
             </a:r>
             <a:r>
-              <a:rPr lang="en-US" altLang="zh-CN" sz="8800" dirty="0" smtClean="0">
+              <a:rPr lang="en-US" altLang="zh-CN" sz="8800" dirty="0">
                 <a:sym typeface="Wingdings" panose="05000000000000000000" pitchFamily="2" charset="2"/>
               </a:rPr>
               <a:t></a:t>
@@ -9403,8 +9417,8 @@
         </p:blipFill>
         <p:spPr>
           <a:xfrm>
-            <a:off x="4672012" y="1990725"/>
-            <a:ext cx="3457575" cy="3486150"/>
+            <a:off x="4672017" y="1990728"/>
+            <a:ext cx="3457575" cy="3486151"/>
           </a:xfrm>
           <a:prstGeom prst="rect">
             <a:avLst/>
@@ -9537,7 +9551,7 @@
         </p:nvSpPr>
         <p:spPr>
           <a:xfrm>
-            <a:off x="1357312" y="5727700"/>
+            <a:off x="1357313" y="5727701"/>
             <a:ext cx="2886075" cy="369332"/>
           </a:xfrm>
           <a:prstGeom prst="rect">
@@ -9592,7 +9606,7 @@
         </p:nvSpPr>
         <p:spPr>
           <a:xfrm>
-            <a:off x="4724400" y="2009775"/>
+            <a:off x="4724401" y="2009779"/>
             <a:ext cx="4152900" cy="1200329"/>
           </a:xfrm>
           <a:prstGeom prst="rect">
@@ -9607,7 +9621,7 @@
           <a:lstStyle/>
           <a:p>
             <a:r>
-              <a:rPr lang="en-US" altLang="zh-CN" dirty="0" err="1" smtClean="0">
+              <a:rPr lang="en-US" altLang="zh-CN" dirty="0" err="1">
                 <a:solidFill>
                   <a:schemeClr val="tx1">
                     <a:lumMod val="75000"/>
@@ -9618,7 +9632,7 @@
               <a:t>ip</a:t>
             </a:r>
             <a:r>
-              <a:rPr lang="en-US" altLang="zh-CN" dirty="0" smtClean="0">
+              <a:rPr lang="en-US" altLang="zh-CN" dirty="0">
                 <a:solidFill>
                   <a:schemeClr val="tx1">
                     <a:lumMod val="75000"/>
@@ -9648,27 +9662,8 @@
                   </a:schemeClr>
                 </a:solidFill>
               </a:rPr>
-              <a:t>(Full-connected</a:t>
-            </a:r>
-            <a:r>
-              <a:rPr lang="en-US" altLang="zh-CN" dirty="0" smtClean="0">
-                <a:solidFill>
-                  <a:schemeClr val="tx1">
-                    <a:lumMod val="75000"/>
-                    <a:lumOff val="25000"/>
-                  </a:schemeClr>
-                </a:solidFill>
-              </a:rPr>
-              <a:t>) layer</a:t>
-            </a:r>
-            <a:endParaRPr lang="en-US" altLang="zh-CN" dirty="0">
-              <a:solidFill>
-                <a:schemeClr val="tx1">
-                  <a:lumMod val="75000"/>
-                  <a:lumOff val="25000"/>
-                </a:schemeClr>
-              </a:solidFill>
-            </a:endParaRPr>
+              <a:t>(Full-connected) layer</a:t>
+            </a:r>
           </a:p>
           <a:p>
             <a:r>
@@ -9691,27 +9686,8 @@
                   </a:schemeClr>
                 </a:solidFill>
               </a:rPr>
-              <a:t>: Convolutional </a:t>
-            </a:r>
-            <a:r>
-              <a:rPr lang="en-US" altLang="zh-CN" dirty="0" smtClean="0">
-                <a:solidFill>
-                  <a:schemeClr val="tx1">
-                    <a:lumMod val="75000"/>
-                    <a:lumOff val="25000"/>
-                  </a:schemeClr>
-                </a:solidFill>
-              </a:rPr>
-              <a:t>layer</a:t>
-            </a:r>
-            <a:endParaRPr lang="en-US" altLang="zh-CN" dirty="0">
-              <a:solidFill>
-                <a:schemeClr val="tx1">
-                  <a:lumMod val="75000"/>
-                  <a:lumOff val="25000"/>
-                </a:schemeClr>
-              </a:solidFill>
-            </a:endParaRPr>
+              <a:t>: Convolutional layer</a:t>
+            </a:r>
           </a:p>
           <a:p>
             <a:r>
@@ -9723,18 +9699,7 @@
                   </a:schemeClr>
                 </a:solidFill>
               </a:rPr>
-              <a:t>P</a:t>
-            </a:r>
-            <a:r>
-              <a:rPr lang="en-US" altLang="zh-CN" dirty="0">
-                <a:solidFill>
-                  <a:schemeClr val="tx1">
-                    <a:lumMod val="75000"/>
-                    <a:lumOff val="25000"/>
-                  </a:schemeClr>
-                </a:solidFill>
-              </a:rPr>
-              <a:t>ool: Pooling layer</a:t>
+              <a:t>Pool: Pooling layer</a:t>
             </a:r>
           </a:p>
           <a:p>
@@ -9786,8 +9751,8 @@
           </p:nvPr>
         </p:nvGraphicFramePr>
         <p:xfrm>
-          <a:off x="5434012" y="4368800"/>
-          <a:ext cx="2711454" cy="1371600"/>
+          <a:off x="5434013" y="4368800"/>
+          <a:ext cx="2711457" cy="1432560"/>
         </p:xfrm>
         <a:graphic>
           <a:graphicData uri="http://schemas.openxmlformats.org/drawingml/2006/table">
@@ -9796,21 +9761,21 @@
                 <a:tableStyleId>{5C22544A-7EE6-4342-B048-85BDC9FD1C3A}</a:tableStyleId>
               </a:tblPr>
               <a:tblGrid>
-                <a:gridCol w="903818">
+                <a:gridCol w="903819">
                   <a:extLst>
                     <a:ext uri="{9D8B030D-6E8A-4147-A177-3AD203B41FA5}">
                       <a16:colId xmlns:a16="http://schemas.microsoft.com/office/drawing/2014/main" val="3810270437"/>
                     </a:ext>
                   </a:extLst>
                 </a:gridCol>
-                <a:gridCol w="903818">
+                <a:gridCol w="903819">
                   <a:extLst>
                     <a:ext uri="{9D8B030D-6E8A-4147-A177-3AD203B41FA5}">
                       <a16:colId xmlns:a16="http://schemas.microsoft.com/office/drawing/2014/main" val="483904239"/>
                     </a:ext>
                   </a:extLst>
                 </a:gridCol>
-                <a:gridCol w="903818">
+                <a:gridCol w="903819">
                   <a:extLst>
                     <a:ext uri="{9D8B030D-6E8A-4147-A177-3AD203B41FA5}">
                       <a16:colId xmlns:a16="http://schemas.microsoft.com/office/drawing/2014/main" val="760941892"/>
@@ -9818,17 +9783,17 @@
                   </a:extLst>
                 </a:gridCol>
               </a:tblGrid>
-              <a:tr h="626661">
+              <a:tr h="660400">
                 <a:tc>
                   <a:txBody>
                     <a:bodyPr/>
                     <a:lstStyle/>
                     <a:p>
                       <a:r>
-                        <a:rPr lang="en-US" altLang="zh-CN" dirty="0" smtClean="0"/>
+                        <a:rPr lang="en-US" altLang="zh-CN" sz="1900" dirty="0" smtClean="0"/>
                         <a:t>Layer Name</a:t>
                       </a:r>
-                      <a:endParaRPr lang="zh-CN" altLang="en-US" dirty="0"/>
+                      <a:endParaRPr lang="zh-CN" altLang="en-US" sz="1900" dirty="0"/>
                     </a:p>
                   </a:txBody>
                   <a:tcPr/>
@@ -9839,10 +9804,10 @@
                     <a:lstStyle/>
                     <a:p>
                       <a:r>
-                        <a:rPr lang="en-US" altLang="zh-CN" dirty="0" smtClean="0"/>
+                        <a:rPr lang="en-US" altLang="zh-CN" sz="1900" dirty="0" smtClean="0"/>
                         <a:t>input</a:t>
                       </a:r>
-                      <a:endParaRPr lang="zh-CN" altLang="en-US" dirty="0"/>
+                      <a:endParaRPr lang="zh-CN" altLang="en-US" sz="1900" dirty="0"/>
                     </a:p>
                   </a:txBody>
                   <a:tcPr/>
@@ -9853,10 +9818,10 @@
                     <a:lstStyle/>
                     <a:p>
                       <a:r>
-                        <a:rPr lang="en-US" altLang="zh-CN" dirty="0" smtClean="0"/>
+                        <a:rPr lang="en-US" altLang="zh-CN" sz="1900" dirty="0" smtClean="0"/>
                         <a:t>output</a:t>
                       </a:r>
-                      <a:endParaRPr lang="zh-CN" altLang="en-US" dirty="0"/>
+                      <a:endParaRPr lang="zh-CN" altLang="en-US" sz="1900" dirty="0"/>
                     </a:p>
                   </a:txBody>
                   <a:tcPr/>
@@ -9867,17 +9832,17 @@
                   </a:ext>
                 </a:extLst>
               </a:tr>
-              <a:tr h="358092">
+              <a:tr h="375920">
                 <a:tc>
                   <a:txBody>
                     <a:bodyPr/>
                     <a:lstStyle/>
                     <a:p>
                       <a:r>
-                        <a:rPr lang="en-US" altLang="zh-CN" dirty="0" smtClean="0"/>
+                        <a:rPr lang="en-US" altLang="zh-CN" sz="1900" dirty="0" smtClean="0"/>
                         <a:t>ip1</a:t>
                       </a:r>
-                      <a:endParaRPr lang="zh-CN" altLang="en-US" dirty="0"/>
+                      <a:endParaRPr lang="zh-CN" altLang="en-US" sz="1900" dirty="0"/>
                     </a:p>
                   </a:txBody>
                   <a:tcPr/>
@@ -9888,10 +9853,10 @@
                     <a:lstStyle/>
                     <a:p>
                       <a:r>
-                        <a:rPr lang="en-US" altLang="zh-CN" dirty="0" smtClean="0"/>
+                        <a:rPr lang="en-US" altLang="zh-CN" sz="1900" dirty="0" smtClean="0"/>
                         <a:t>1024</a:t>
                       </a:r>
-                      <a:endParaRPr lang="zh-CN" altLang="en-US" dirty="0"/>
+                      <a:endParaRPr lang="zh-CN" altLang="en-US" sz="1900" dirty="0"/>
                     </a:p>
                   </a:txBody>
                   <a:tcPr/>
@@ -9902,10 +9867,10 @@
                     <a:lstStyle/>
                     <a:p>
                       <a:r>
-                        <a:rPr lang="en-US" altLang="zh-CN" dirty="0" smtClean="0"/>
+                        <a:rPr lang="en-US" altLang="zh-CN" sz="1900" dirty="0" smtClean="0"/>
                         <a:t>64</a:t>
                       </a:r>
-                      <a:endParaRPr lang="zh-CN" altLang="en-US" dirty="0"/>
+                      <a:endParaRPr lang="zh-CN" altLang="en-US" sz="1900" dirty="0"/>
                     </a:p>
                   </a:txBody>
                   <a:tcPr/>
@@ -9916,17 +9881,17 @@
                   </a:ext>
                 </a:extLst>
               </a:tr>
-              <a:tr h="358092">
+              <a:tr h="375920">
                 <a:tc>
                   <a:txBody>
                     <a:bodyPr/>
                     <a:lstStyle/>
                     <a:p>
                       <a:r>
-                        <a:rPr lang="en-US" altLang="zh-CN" dirty="0" smtClean="0"/>
+                        <a:rPr lang="en-US" altLang="zh-CN" sz="1900" dirty="0" smtClean="0"/>
                         <a:t>ip2</a:t>
                       </a:r>
-                      <a:endParaRPr lang="zh-CN" altLang="en-US" dirty="0"/>
+                      <a:endParaRPr lang="zh-CN" altLang="en-US" sz="1900" dirty="0"/>
                     </a:p>
                   </a:txBody>
                   <a:tcPr/>
@@ -9937,10 +9902,10 @@
                     <a:lstStyle/>
                     <a:p>
                       <a:r>
-                        <a:rPr lang="en-US" altLang="zh-CN" dirty="0" smtClean="0"/>
+                        <a:rPr lang="en-US" altLang="zh-CN" sz="1900" dirty="0" smtClean="0"/>
                         <a:t>64</a:t>
                       </a:r>
-                      <a:endParaRPr lang="zh-CN" altLang="en-US" dirty="0"/>
+                      <a:endParaRPr lang="zh-CN" altLang="en-US" sz="1900" dirty="0"/>
                     </a:p>
                   </a:txBody>
                   <a:tcPr/>
@@ -9951,10 +9916,10 @@
                     <a:lstStyle/>
                     <a:p>
                       <a:r>
-                        <a:rPr lang="en-US" altLang="zh-CN" dirty="0" smtClean="0"/>
+                        <a:rPr lang="en-US" altLang="zh-CN" sz="1900" dirty="0" smtClean="0"/>
                         <a:t>10</a:t>
                       </a:r>
-                      <a:endParaRPr lang="zh-CN" altLang="en-US" dirty="0"/>
+                      <a:endParaRPr lang="zh-CN" altLang="en-US" sz="1900" dirty="0"/>
                     </a:p>
                   </a:txBody>
                   <a:tcPr/>
@@ -9992,7 +9957,7 @@
           <a:lstStyle/>
           <a:p>
             <a:r>
-              <a:rPr lang="en-US" altLang="zh-CN" dirty="0" smtClean="0"/>
+              <a:rPr lang="en-US" altLang="zh-CN" dirty="0"/>
               <a:t>Full-connected Layer</a:t>
             </a:r>
             <a:endParaRPr lang="zh-CN" altLang="en-US" dirty="0"/>
@@ -10094,7 +10059,7 @@
         </p:nvSpPr>
         <p:spPr>
           <a:xfrm>
-            <a:off x="677334" y="1531939"/>
+            <a:off x="677335" y="1531940"/>
             <a:ext cx="8596668" cy="3880773"/>
           </a:xfrm>
         </p:spPr>
@@ -10126,8 +10091,8 @@
         </p:blipFill>
         <p:spPr>
           <a:xfrm>
-            <a:off x="3038192" y="1952624"/>
-            <a:ext cx="3258116" cy="457202"/>
+            <a:off x="3038193" y="1952626"/>
+            <a:ext cx="3258116" cy="457203"/>
           </a:xfrm>
           <a:prstGeom prst="rect">
             <a:avLst/>
@@ -10166,7 +10131,7 @@
         </p:nvSpPr>
         <p:spPr>
           <a:xfrm>
-            <a:off x="924984" y="2732101"/>
+            <a:off x="924986" y="2732102"/>
             <a:ext cx="2466975" cy="369332"/>
           </a:xfrm>
           <a:prstGeom prst="rect">
@@ -10218,7 +10183,7 @@
         </p:blipFill>
         <p:spPr>
           <a:xfrm>
-            <a:off x="6577012" y="2735265"/>
+            <a:off x="6577017" y="2735265"/>
             <a:ext cx="2184931" cy="417808"/>
           </a:xfrm>
           <a:prstGeom prst="rect">
@@ -10242,8 +10207,8 @@
         </p:blipFill>
         <p:spPr>
           <a:xfrm>
-            <a:off x="629992" y="3472325"/>
-            <a:ext cx="9047290" cy="2453190"/>
+            <a:off x="629992" y="3472326"/>
+            <a:ext cx="9047291" cy="2453191"/>
           </a:xfrm>
           <a:prstGeom prst="rect">
             <a:avLst/>
@@ -10349,7 +10314,7 @@
         </p:blipFill>
         <p:spPr>
           <a:xfrm>
-            <a:off x="1400372" y="2243801"/>
+            <a:off x="1400372" y="2243802"/>
             <a:ext cx="1371600" cy="342900"/>
           </a:xfrm>
           <a:prstGeom prst="rect">
@@ -10373,7 +10338,7 @@
         </p:blipFill>
         <p:spPr>
           <a:xfrm>
-            <a:off x="3686372" y="2131218"/>
+            <a:off x="3686377" y="2131222"/>
             <a:ext cx="1133475" cy="619125"/>
           </a:xfrm>
           <a:prstGeom prst="rect">
@@ -10397,7 +10362,7 @@
         </p:blipFill>
         <p:spPr>
           <a:xfrm>
-            <a:off x="677334" y="1410493"/>
+            <a:off x="677335" y="1410494"/>
             <a:ext cx="3482309" cy="600869"/>
           </a:xfrm>
           <a:prstGeom prst="rect">
@@ -10413,8 +10378,8 @@
         </p:nvSpPr>
         <p:spPr>
           <a:xfrm>
-            <a:off x="677333" y="1930400"/>
-            <a:ext cx="7466542" cy="646331"/>
+            <a:off x="677334" y="1930401"/>
+            <a:ext cx="7466543" cy="646331"/>
           </a:xfrm>
           <a:prstGeom prst="rect">
             <a:avLst/>
@@ -10436,10 +10401,10 @@
                   </a:schemeClr>
                 </a:solidFill>
               </a:rPr>
-              <a:t>SVD compression has </a:t>
-            </a:r>
-            <a:r>
-              <a:rPr lang="en-US" altLang="zh-CN" dirty="0" smtClean="0">
+              <a:t>SVD compression has less </a:t>
+            </a:r>
+            <a:r>
+              <a:rPr lang="en-US" altLang="zh-CN">
                 <a:solidFill>
                   <a:schemeClr val="tx1">
                     <a:lumMod val="75000"/>
@@ -10447,7 +10412,18 @@
                   </a:schemeClr>
                 </a:solidFill>
               </a:rPr>
-              <a:t>less parameters over uncompressed.     </a:t>
+              <a:t>parameters </a:t>
+            </a:r>
+            <a:r>
+              <a:rPr lang="en-US" altLang="zh-CN" smtClean="0">
+                <a:solidFill>
+                  <a:schemeClr val="tx1">
+                    <a:lumMod val="75000"/>
+                    <a:lumOff val="25000"/>
+                  </a:schemeClr>
+                </a:solidFill>
+              </a:rPr>
+              <a:t>than </a:t>
             </a:r>
             <a:r>
               <a:rPr lang="en-US" altLang="zh-CN" dirty="0">
@@ -10458,7 +10434,7 @@
                   </a:schemeClr>
                 </a:solidFill>
               </a:rPr>
-              <a:t>when                      , namely</a:t>
+              <a:t>uncompressed.     when                      , namely</a:t>
             </a:r>
             <a:endParaRPr lang="zh-CN" altLang="en-US" dirty="0">
               <a:solidFill>
@@ -10479,7 +10455,7 @@
         </p:nvSpPr>
         <p:spPr>
           <a:xfrm>
-            <a:off x="677332" y="3038475"/>
+            <a:off x="677334" y="3038475"/>
             <a:ext cx="3009039" cy="369332"/>
           </a:xfrm>
           <a:prstGeom prst="rect">
@@ -10531,8 +10507,8 @@
         </p:blipFill>
         <p:spPr>
           <a:xfrm>
-            <a:off x="3281362" y="3021142"/>
-            <a:ext cx="1400175" cy="361950"/>
+            <a:off x="3281368" y="3021144"/>
+            <a:ext cx="1400175" cy="361951"/>
           </a:xfrm>
           <a:prstGeom prst="rect">
             <a:avLst/>
@@ -10547,7 +10523,7 @@
         </p:nvSpPr>
         <p:spPr>
           <a:xfrm>
-            <a:off x="677332" y="3943350"/>
+            <a:off x="677334" y="3943350"/>
             <a:ext cx="2437343" cy="369332"/>
           </a:xfrm>
           <a:prstGeom prst="rect">
@@ -10570,18 +10546,7 @@
                   </a:schemeClr>
                 </a:solidFill>
               </a:rPr>
-              <a:t>SVD </a:t>
-            </a:r>
-            <a:r>
-              <a:rPr lang="en-US" altLang="zh-CN" dirty="0">
-                <a:solidFill>
-                  <a:schemeClr val="tx1">
-                    <a:lumMod val="75000"/>
-                    <a:lumOff val="25000"/>
-                  </a:schemeClr>
-                </a:solidFill>
-              </a:rPr>
-              <a:t>compression:</a:t>
+              <a:t>SVD compression:</a:t>
             </a:r>
             <a:endParaRPr lang="zh-CN" altLang="en-US" dirty="0">
               <a:solidFill>
@@ -10610,7 +10575,7 @@
         </p:blipFill>
         <p:spPr>
           <a:xfrm>
-            <a:off x="3343472" y="3931682"/>
+            <a:off x="3343477" y="3931683"/>
             <a:ext cx="1457325" cy="381000"/>
           </a:xfrm>
           <a:prstGeom prst="rect">
@@ -10634,7 +10599,7 @@
         </p:blipFill>
         <p:spPr>
           <a:xfrm>
-            <a:off x="5029594" y="3943350"/>
+            <a:off x="5029599" y="3943355"/>
             <a:ext cx="1038225" cy="428625"/>
           </a:xfrm>
           <a:prstGeom prst="rect">
@@ -10650,8 +10615,8 @@
         </p:nvSpPr>
         <p:spPr>
           <a:xfrm>
-            <a:off x="4171950" y="3402142"/>
-            <a:ext cx="628650" cy="361950"/>
+            <a:off x="4171951" y="3402144"/>
+            <a:ext cx="628651" cy="361951"/>
           </a:xfrm>
           <a:prstGeom prst="rect">
             <a:avLst/>
@@ -10679,7 +10644,7 @@
           <a:p>
             <a:pPr algn="ctr"/>
             <a:r>
-              <a:rPr lang="en-US" altLang="zh-CN" dirty="0" err="1" smtClean="0"/>
+              <a:rPr lang="en-US" altLang="zh-CN" dirty="0" err="1"/>
               <a:t>W,b</a:t>
             </a:r>
             <a:endParaRPr lang="zh-CN" altLang="en-US" dirty="0"/>
@@ -10696,7 +10661,7 @@
         </p:nvCxnSpPr>
         <p:spPr>
           <a:xfrm>
-            <a:off x="3876675" y="3583117"/>
+            <a:off x="3876679" y="3583117"/>
             <a:ext cx="295275" cy="0"/>
           </a:xfrm>
           <a:prstGeom prst="straightConnector1">
@@ -10731,8 +10696,8 @@
         </p:nvCxnSpPr>
         <p:spPr>
           <a:xfrm>
-            <a:off x="4800600" y="3583117"/>
-            <a:ext cx="285750" cy="0"/>
+            <a:off x="4800603" y="3583117"/>
+            <a:ext cx="285751" cy="0"/>
           </a:xfrm>
           <a:prstGeom prst="straightConnector1">
             <a:avLst/>
@@ -10764,7 +10729,7 @@
         </p:nvSpPr>
         <p:spPr>
           <a:xfrm>
-            <a:off x="3604351" y="3394760"/>
+            <a:off x="3604356" y="3394760"/>
             <a:ext cx="866381" cy="369332"/>
           </a:xfrm>
           <a:prstGeom prst="rect">
@@ -10779,7 +10744,7 @@
           <a:lstStyle/>
           <a:p>
             <a:r>
-              <a:rPr lang="en-US" altLang="zh-CN" dirty="0" smtClean="0"/>
+              <a:rPr lang="en-US" altLang="zh-CN" dirty="0"/>
               <a:t>x</a:t>
             </a:r>
             <a:endParaRPr lang="zh-CN" altLang="en-US" dirty="0"/>
@@ -10794,7 +10759,7 @@
         </p:nvSpPr>
         <p:spPr>
           <a:xfrm>
-            <a:off x="5091310" y="3381375"/>
+            <a:off x="5091314" y="3381375"/>
             <a:ext cx="866381" cy="369332"/>
           </a:xfrm>
           <a:prstGeom prst="rect">
@@ -10809,7 +10774,7 @@
           <a:lstStyle/>
           <a:p>
             <a:r>
-              <a:rPr lang="en-US" altLang="zh-CN" dirty="0" smtClean="0"/>
+              <a:rPr lang="en-US" altLang="zh-CN" dirty="0"/>
               <a:t>y</a:t>
             </a:r>
             <a:endParaRPr lang="zh-CN" altLang="en-US" dirty="0"/>
@@ -10824,8 +10789,8 @@
         </p:nvSpPr>
         <p:spPr>
           <a:xfrm>
-            <a:off x="3857625" y="4661246"/>
-            <a:ext cx="628650" cy="361950"/>
+            <a:off x="3857627" y="4661248"/>
+            <a:ext cx="628651" cy="361951"/>
           </a:xfrm>
           <a:prstGeom prst="rect">
             <a:avLst/>
@@ -10853,7 +10818,7 @@
           <a:p>
             <a:pPr algn="ctr"/>
             <a:r>
-              <a:rPr lang="en-US" altLang="zh-CN" dirty="0" smtClean="0"/>
+              <a:rPr lang="en-US" altLang="zh-CN" dirty="0"/>
               <a:t>Z,0</a:t>
             </a:r>
             <a:endParaRPr lang="zh-CN" altLang="en-US" dirty="0"/>
@@ -10868,8 +10833,8 @@
         </p:nvSpPr>
         <p:spPr>
           <a:xfrm>
-            <a:off x="4680393" y="4653864"/>
-            <a:ext cx="628650" cy="361950"/>
+            <a:off x="4680395" y="4653867"/>
+            <a:ext cx="628651" cy="361951"/>
           </a:xfrm>
           <a:prstGeom prst="rect">
             <a:avLst/>
@@ -10897,7 +10862,7 @@
           <a:p>
             <a:pPr algn="ctr"/>
             <a:r>
-              <a:rPr lang="en-US" altLang="zh-CN" dirty="0" err="1" smtClean="0"/>
+              <a:rPr lang="en-US" altLang="zh-CN" dirty="0" err="1"/>
               <a:t>U,b</a:t>
             </a:r>
             <a:endParaRPr lang="zh-CN" altLang="en-US" dirty="0"/>
@@ -10915,8 +10880,8 @@
         </p:nvCxnSpPr>
         <p:spPr>
           <a:xfrm flipV="1">
-            <a:off x="4486275" y="4834839"/>
-            <a:ext cx="194118" cy="7382"/>
+            <a:off x="4486277" y="4834841"/>
+            <a:ext cx="194119" cy="7383"/>
           </a:xfrm>
           <a:prstGeom prst="straightConnector1">
             <a:avLst/>
@@ -10950,8 +10915,8 @@
         </p:nvCxnSpPr>
         <p:spPr>
           <a:xfrm>
-            <a:off x="3604351" y="4842221"/>
-            <a:ext cx="253274" cy="0"/>
+            <a:off x="3604353" y="4842221"/>
+            <a:ext cx="253275" cy="0"/>
           </a:xfrm>
           <a:prstGeom prst="straightConnector1">
             <a:avLst/>
@@ -10985,8 +10950,8 @@
         </p:nvCxnSpPr>
         <p:spPr>
           <a:xfrm>
-            <a:off x="5309043" y="4834839"/>
-            <a:ext cx="239663" cy="7382"/>
+            <a:off x="5309048" y="4834841"/>
+            <a:ext cx="239663" cy="7383"/>
           </a:xfrm>
           <a:prstGeom prst="straightConnector1">
             <a:avLst/>
@@ -11018,7 +10983,7 @@
         </p:nvSpPr>
         <p:spPr>
           <a:xfrm>
-            <a:off x="3281361" y="4628768"/>
+            <a:off x="3281366" y="4628768"/>
             <a:ext cx="866381" cy="369332"/>
           </a:xfrm>
           <a:prstGeom prst="rect">
@@ -11033,7 +10998,7 @@
           <a:lstStyle/>
           <a:p>
             <a:r>
-              <a:rPr lang="en-US" altLang="zh-CN" dirty="0" smtClean="0"/>
+              <a:rPr lang="en-US" altLang="zh-CN" dirty="0"/>
               <a:t>x</a:t>
             </a:r>
             <a:endParaRPr lang="zh-CN" altLang="en-US" dirty="0"/>
@@ -11048,7 +11013,7 @@
         </p:nvSpPr>
         <p:spPr>
           <a:xfrm>
-            <a:off x="5548706" y="4628768"/>
+            <a:off x="5548710" y="4628768"/>
             <a:ext cx="866381" cy="369332"/>
           </a:xfrm>
           <a:prstGeom prst="rect">
@@ -11063,7 +11028,7 @@
           <a:lstStyle/>
           <a:p>
             <a:r>
-              <a:rPr lang="en-US" altLang="zh-CN" dirty="0" smtClean="0"/>
+              <a:rPr lang="en-US" altLang="zh-CN" dirty="0"/>
               <a:t>y</a:t>
             </a:r>
             <a:endParaRPr lang="zh-CN" altLang="en-US" dirty="0"/>
@@ -11132,45 +11097,14 @@
       </p:grpSpPr>
       <p:sp>
         <p:nvSpPr>
-          <p:cNvPr id="2" name="标题 1"/>
-          <p:cNvSpPr>
-            <a:spLocks noGrp="1"/>
-          </p:cNvSpPr>
-          <p:nvPr>
-            <p:ph type="title"/>
-          </p:nvPr>
-        </p:nvSpPr>
-        <p:spPr/>
-        <p:txBody>
-          <a:bodyPr/>
-          <a:lstStyle/>
-          <a:p>
-            <a:r>
-              <a:rPr lang="en-US" altLang="zh-CN" dirty="0" smtClean="0"/>
-              <a:t>Results </a:t>
-            </a:r>
-            <a:r>
-              <a:rPr lang="en-US" altLang="zh-CN" dirty="0"/>
-              <a:t>and A</a:t>
-            </a:r>
-            <a:r>
-              <a:rPr lang="en-US" altLang="zh-CN" dirty="0" smtClean="0"/>
-              <a:t>nalysis</a:t>
-            </a:r>
-            <a:endParaRPr lang="zh-CN" altLang="en-US" dirty="0"/>
-          </a:p>
-        </p:txBody>
-      </p:sp>
-      <p:sp>
-        <p:nvSpPr>
           <p:cNvPr id="6" name="文本框 5"/>
           <p:cNvSpPr txBox="1"/>
           <p:nvPr/>
         </p:nvSpPr>
         <p:spPr>
           <a:xfrm>
-            <a:off x="677334" y="1270000"/>
-            <a:ext cx="4037541" cy="376238"/>
+            <a:off x="677335" y="1270000"/>
+            <a:ext cx="4037541" cy="369332"/>
           </a:xfrm>
           <a:prstGeom prst="rect">
             <a:avLst/>
@@ -11184,7 +11118,7 @@
           <a:lstStyle/>
           <a:p>
             <a:r>
-              <a:rPr lang="en-US" altLang="zh-CN" dirty="0" smtClean="0"/>
+              <a:rPr lang="en-US" altLang="zh-CN" dirty="0"/>
               <a:t>Compress ip2 Layer</a:t>
             </a:r>
             <a:endParaRPr lang="zh-CN" altLang="en-US" dirty="0"/>
@@ -11207,7 +11141,7 @@
         </p:blipFill>
         <p:spPr>
           <a:xfrm>
-            <a:off x="2957512" y="1254125"/>
+            <a:off x="2957517" y="1254131"/>
             <a:ext cx="619125" cy="333375"/>
           </a:xfrm>
           <a:prstGeom prst="rect">
@@ -11231,7 +11165,7 @@
         </p:blipFill>
         <p:spPr>
           <a:xfrm>
-            <a:off x="3429559" y="1118394"/>
+            <a:off x="3429559" y="1118399"/>
             <a:ext cx="6134100" cy="657225"/>
           </a:xfrm>
           <a:prstGeom prst="rect">
@@ -11255,8 +11189,8 @@
         </p:blipFill>
         <p:spPr>
           <a:xfrm>
-            <a:off x="428625" y="1662113"/>
-            <a:ext cx="8944534" cy="4567238"/>
+            <a:off x="428626" y="1662114"/>
+            <a:ext cx="8944535" cy="4567239"/>
           </a:xfrm>
           <a:prstGeom prst="rect">
             <a:avLst/>
@@ -11283,6 +11217,37 @@
               <a:t>8</a:t>
             </a:fld>
             <a:endParaRPr lang="en-US" dirty="0"/>
+          </a:p>
+        </p:txBody>
+      </p:sp>
+      <p:sp>
+        <p:nvSpPr>
+          <p:cNvPr id="2" name="标题 1"/>
+          <p:cNvSpPr>
+            <a:spLocks noGrp="1"/>
+          </p:cNvSpPr>
+          <p:nvPr>
+            <p:ph type="title"/>
+          </p:nvPr>
+        </p:nvSpPr>
+        <p:spPr/>
+        <p:txBody>
+          <a:bodyPr/>
+          <a:lstStyle/>
+          <a:p>
+            <a:r>
+              <a:rPr lang="en-US" altLang="zh-CN" dirty="0" smtClean="0"/>
+              <a:t>Results </a:t>
+            </a:r>
+            <a:r>
+              <a:rPr lang="en-US" altLang="zh-CN" dirty="0"/>
+              <a:t>and A</a:t>
+            </a:r>
+            <a:r>
+              <a:rPr lang="en-US" altLang="zh-CN" dirty="0" smtClean="0"/>
+              <a:t>nalysis</a:t>
+            </a:r>
+            <a:endParaRPr lang="zh-CN" altLang="en-US" dirty="0"/>
           </a:p>
         </p:txBody>
       </p:sp>
@@ -11368,7 +11333,7 @@
         </p:blipFill>
         <p:spPr>
           <a:xfrm>
-            <a:off x="0" y="1930400"/>
+            <a:off x="1" y="1930401"/>
             <a:ext cx="5852172" cy="4389129"/>
           </a:xfrm>
           <a:prstGeom prst="rect">
@@ -11398,7 +11363,7 @@
         </p:blipFill>
         <p:spPr>
           <a:xfrm>
-            <a:off x="5427339" y="1930400"/>
+            <a:off x="5427339" y="1930406"/>
             <a:ext cx="5852172" cy="4389129"/>
           </a:xfrm>
           <a:prstGeom prst="rect">
@@ -11414,8 +11379,8 @@
         </p:nvSpPr>
         <p:spPr>
           <a:xfrm>
-            <a:off x="677334" y="1270000"/>
-            <a:ext cx="4037541" cy="376238"/>
+            <a:off x="677335" y="1270000"/>
+            <a:ext cx="4037541" cy="369332"/>
           </a:xfrm>
           <a:prstGeom prst="rect">
             <a:avLst/>
@@ -11429,7 +11394,7 @@
           <a:lstStyle/>
           <a:p>
             <a:r>
-              <a:rPr lang="en-US" altLang="zh-CN" dirty="0" smtClean="0"/>
+              <a:rPr lang="en-US" altLang="zh-CN" dirty="0"/>
               <a:t>Compress ip2 Layer</a:t>
             </a:r>
             <a:endParaRPr lang="zh-CN" altLang="en-US" dirty="0"/>
